--- a/PT100 RTD 센서신호 분배기.pptx
+++ b/PT100 RTD 센서신호 분배기.pptx
@@ -4,6 +4,9 @@
   <p:sldMasterIdLst>
     <p:sldMasterId id="2147483648" r:id="rId1"/>
   </p:sldMasterIdLst>
+  <p:handoutMasterIdLst>
+    <p:handoutMasterId r:id="rId10"/>
+  </p:handoutMasterIdLst>
   <p:sldIdLst>
     <p:sldId id="256" r:id="rId2"/>
     <p:sldId id="257" r:id="rId3"/>
@@ -12,10 +15,10 @@
     <p:sldId id="260" r:id="rId6"/>
     <p:sldId id="261" r:id="rId7"/>
     <p:sldId id="263" r:id="rId8"/>
-    <p:sldId id="264" r:id="rId9"/>
+    <p:sldId id="265" r:id="rId9"/>
   </p:sldIdLst>
   <p:sldSz cx="12192000" cy="6858000"/>
-  <p:notesSz cx="6858000" cy="9144000"/>
+  <p:notesSz cx="6797675" cy="9926638"/>
   <p:defaultTextStyle>
     <a:defPPr>
       <a:defRPr lang="en-US"/>
@@ -111,7 +114,177 @@
       </a:defRPr>
     </a:lvl9pPr>
   </p:defaultTextStyle>
+  <p:extLst>
+    <p:ext uri="{EFAFB233-063F-42B5-8137-9DF3F51BA10A}">
+      <p15:sldGuideLst xmlns:p15="http://schemas.microsoft.com/office/powerpoint/2012/main"/>
+    </p:ext>
+  </p:extLst>
 </p:presentation>
+</file>
+
+<file path=ppt/handoutMasters/handoutMaster1.xml><?xml version="1.0" encoding="utf-8"?>
+<p:handoutMaster xmlns:a="http://schemas.openxmlformats.org/drawingml/2006/main" xmlns:r="http://schemas.openxmlformats.org/officeDocument/2006/relationships" xmlns:p="http://schemas.openxmlformats.org/presentationml/2006/main">
+  <p:cSld>
+    <p:bg>
+      <p:bgRef idx="1001">
+        <a:schemeClr val="bg1"/>
+      </p:bgRef>
+    </p:bg>
+    <p:spTree>
+      <p:nvGrpSpPr>
+        <p:cNvPr id="1" name=""/>
+        <p:cNvGrpSpPr/>
+        <p:nvPr/>
+      </p:nvGrpSpPr>
+      <p:grpSpPr>
+        <a:xfrm>
+          <a:off x="0" y="0"/>
+          <a:ext cx="0" cy="0"/>
+          <a:chOff x="0" y="0"/>
+          <a:chExt cx="0" cy="0"/>
+        </a:xfrm>
+      </p:grpSpPr>
+      <p:sp>
+        <p:nvSpPr>
+          <p:cNvPr id="2" name="머리글 개체 틀 1"/>
+          <p:cNvSpPr>
+            <a:spLocks noGrp="1"/>
+          </p:cNvSpPr>
+          <p:nvPr>
+            <p:ph type="hdr" sz="quarter"/>
+          </p:nvPr>
+        </p:nvSpPr>
+        <p:spPr>
+          <a:xfrm>
+            <a:off x="0" y="0"/>
+            <a:ext cx="2946400" cy="496888"/>
+          </a:xfrm>
+          <a:prstGeom prst="rect">
+            <a:avLst/>
+          </a:prstGeom>
+        </p:spPr>
+        <p:txBody>
+          <a:bodyPr vert="horz" lIns="91440" tIns="45720" rIns="91440" bIns="45720" rtlCol="0"/>
+          <a:lstStyle>
+            <a:lvl1pPr algn="l">
+              <a:defRPr sz="1200"/>
+            </a:lvl1pPr>
+          </a:lstStyle>
+          <a:p>
+            <a:endParaRPr lang="ko-KR" altLang="en-US"/>
+          </a:p>
+        </p:txBody>
+      </p:sp>
+      <p:sp>
+        <p:nvSpPr>
+          <p:cNvPr id="3" name="날짜 개체 틀 2"/>
+          <p:cNvSpPr>
+            <a:spLocks noGrp="1"/>
+          </p:cNvSpPr>
+          <p:nvPr>
+            <p:ph type="dt" sz="quarter" idx="1"/>
+          </p:nvPr>
+        </p:nvSpPr>
+        <p:spPr>
+          <a:xfrm>
+            <a:off x="3849688" y="0"/>
+            <a:ext cx="2946400" cy="496888"/>
+          </a:xfrm>
+          <a:prstGeom prst="rect">
+            <a:avLst/>
+          </a:prstGeom>
+        </p:spPr>
+        <p:txBody>
+          <a:bodyPr vert="horz" lIns="91440" tIns="45720" rIns="91440" bIns="45720" rtlCol="0"/>
+          <a:lstStyle>
+            <a:lvl1pPr algn="r">
+              <a:defRPr sz="1200"/>
+            </a:lvl1pPr>
+          </a:lstStyle>
+          <a:p>
+            <a:fld id="{EF65B38D-1C4C-4C37-A071-3502D71E0FB6}" type="datetimeFigureOut">
+              <a:rPr lang="ko-KR" altLang="en-US" smtClean="0"/>
+              <a:t>2024-08-01</a:t>
+            </a:fld>
+            <a:endParaRPr lang="ko-KR" altLang="en-US"/>
+          </a:p>
+        </p:txBody>
+      </p:sp>
+      <p:sp>
+        <p:nvSpPr>
+          <p:cNvPr id="4" name="바닥글 개체 틀 3"/>
+          <p:cNvSpPr>
+            <a:spLocks noGrp="1"/>
+          </p:cNvSpPr>
+          <p:nvPr>
+            <p:ph type="ftr" sz="quarter" idx="2"/>
+          </p:nvPr>
+        </p:nvSpPr>
+        <p:spPr>
+          <a:xfrm>
+            <a:off x="0" y="9429750"/>
+            <a:ext cx="2946400" cy="496888"/>
+          </a:xfrm>
+          <a:prstGeom prst="rect">
+            <a:avLst/>
+          </a:prstGeom>
+        </p:spPr>
+        <p:txBody>
+          <a:bodyPr vert="horz" lIns="91440" tIns="45720" rIns="91440" bIns="45720" rtlCol="0" anchor="b"/>
+          <a:lstStyle>
+            <a:lvl1pPr algn="l">
+              <a:defRPr sz="1200"/>
+            </a:lvl1pPr>
+          </a:lstStyle>
+          <a:p>
+            <a:endParaRPr lang="ko-KR" altLang="en-US"/>
+          </a:p>
+        </p:txBody>
+      </p:sp>
+      <p:sp>
+        <p:nvSpPr>
+          <p:cNvPr id="5" name="슬라이드 번호 개체 틀 4"/>
+          <p:cNvSpPr>
+            <a:spLocks noGrp="1"/>
+          </p:cNvSpPr>
+          <p:nvPr>
+            <p:ph type="sldNum" sz="quarter" idx="3"/>
+          </p:nvPr>
+        </p:nvSpPr>
+        <p:spPr>
+          <a:xfrm>
+            <a:off x="3849688" y="9429750"/>
+            <a:ext cx="2946400" cy="496888"/>
+          </a:xfrm>
+          <a:prstGeom prst="rect">
+            <a:avLst/>
+          </a:prstGeom>
+        </p:spPr>
+        <p:txBody>
+          <a:bodyPr vert="horz" lIns="91440" tIns="45720" rIns="91440" bIns="45720" rtlCol="0" anchor="b"/>
+          <a:lstStyle>
+            <a:lvl1pPr algn="r">
+              <a:defRPr sz="1200"/>
+            </a:lvl1pPr>
+          </a:lstStyle>
+          <a:p>
+            <a:fld id="{A048320B-1501-41DD-86E3-954C6A2F7793}" type="slidenum">
+              <a:rPr lang="ko-KR" altLang="en-US" smtClean="0"/>
+              <a:t>‹#›</a:t>
+            </a:fld>
+            <a:endParaRPr lang="ko-KR" altLang="en-US"/>
+          </a:p>
+        </p:txBody>
+      </p:sp>
+    </p:spTree>
+    <p:extLst>
+      <p:ext uri="{BB962C8B-B14F-4D97-AF65-F5344CB8AC3E}">
+        <p14:creationId xmlns:p14="http://schemas.microsoft.com/office/powerpoint/2010/main" val="3304306823"/>
+      </p:ext>
+    </p:extLst>
+  </p:cSld>
+  <p:clrMap bg1="lt1" tx1="dk1" bg2="lt2" tx2="dk2" accent1="accent1" accent2="accent2" accent3="accent3" accent4="accent4" accent5="accent5" accent6="accent6" hlink="hlink" folHlink="folHlink"/>
+</p:handoutMaster>
 </file>
 
 <file path=ppt/slideLayouts/slideLayout1.xml><?xml version="1.0" encoding="utf-8"?>
@@ -4390,7 +4563,7 @@
           <a:p>
             <a:fld id="{48A87A34-81AB-432B-8DAE-1953F412C126}" type="datetimeFigureOut">
               <a:rPr lang="en-US" dirty="0"/>
-              <a:t>7/31/2024</a:t>
+              <a:t>8/1/2024</a:t>
             </a:fld>
             <a:endParaRPr lang="en-US" dirty="0"/>
           </a:p>
@@ -4652,7 +4825,7 @@
           <a:p>
             <a:fld id="{48A87A34-81AB-432B-8DAE-1953F412C126}" type="datetimeFigureOut">
               <a:rPr lang="en-US" dirty="0"/>
-              <a:t>7/31/2024</a:t>
+              <a:t>8/1/2024</a:t>
             </a:fld>
             <a:endParaRPr lang="en-US" dirty="0"/>
           </a:p>
@@ -4843,7 +5016,7 @@
           <a:p>
             <a:fld id="{48A87A34-81AB-432B-8DAE-1953F412C126}" type="datetimeFigureOut">
               <a:rPr lang="en-US" dirty="0"/>
-              <a:t>7/31/2024</a:t>
+              <a:t>8/1/2024</a:t>
             </a:fld>
             <a:endParaRPr lang="en-US" dirty="0"/>
           </a:p>
@@ -5101,7 +5274,7 @@
           <a:p>
             <a:fld id="{48A87A34-81AB-432B-8DAE-1953F412C126}" type="datetimeFigureOut">
               <a:rPr lang="en-US" dirty="0"/>
-              <a:t>7/31/2024</a:t>
+              <a:t>8/1/2024</a:t>
             </a:fld>
             <a:endParaRPr lang="en-US" dirty="0"/>
           </a:p>
@@ -5530,7 +5703,7 @@
           <a:p>
             <a:fld id="{48A87A34-81AB-432B-8DAE-1953F412C126}" type="datetimeFigureOut">
               <a:rPr lang="en-US" dirty="0"/>
-              <a:t>7/31/2024</a:t>
+              <a:t>8/1/2024</a:t>
             </a:fld>
             <a:endParaRPr lang="en-US" dirty="0"/>
           </a:p>
@@ -6071,7 +6244,7 @@
           <a:p>
             <a:fld id="{48A87A34-81AB-432B-8DAE-1953F412C126}" type="datetimeFigureOut">
               <a:rPr lang="en-US" dirty="0"/>
-              <a:t>7/31/2024</a:t>
+              <a:t>8/1/2024</a:t>
             </a:fld>
             <a:endParaRPr lang="en-US" dirty="0"/>
           </a:p>
@@ -6786,7 +6959,7 @@
           <a:p>
             <a:fld id="{48A87A34-81AB-432B-8DAE-1953F412C126}" type="datetimeFigureOut">
               <a:rPr lang="en-US" dirty="0"/>
-              <a:t>7/31/2024</a:t>
+              <a:t>8/1/2024</a:t>
             </a:fld>
             <a:endParaRPr lang="en-US" dirty="0"/>
           </a:p>
@@ -6951,7 +7124,7 @@
           <a:p>
             <a:fld id="{48A87A34-81AB-432B-8DAE-1953F412C126}" type="datetimeFigureOut">
               <a:rPr lang="en-US" dirty="0"/>
-              <a:t>7/31/2024</a:t>
+              <a:t>8/1/2024</a:t>
             </a:fld>
             <a:endParaRPr lang="en-US" dirty="0"/>
           </a:p>
@@ -7126,7 +7299,7 @@
           <a:p>
             <a:fld id="{48A87A34-81AB-432B-8DAE-1953F412C126}" type="datetimeFigureOut">
               <a:rPr lang="en-US" dirty="0"/>
-              <a:t>7/31/2024</a:t>
+              <a:t>8/1/2024</a:t>
             </a:fld>
             <a:endParaRPr lang="en-US" dirty="0"/>
           </a:p>
@@ -7291,7 +7464,7 @@
           <a:p>
             <a:fld id="{48A87A34-81AB-432B-8DAE-1953F412C126}" type="datetimeFigureOut">
               <a:rPr lang="en-US" dirty="0"/>
-              <a:t>7/31/2024</a:t>
+              <a:t>8/1/2024</a:t>
             </a:fld>
             <a:endParaRPr lang="en-US" dirty="0"/>
           </a:p>
@@ -7536,7 +7709,7 @@
           <a:p>
             <a:fld id="{48A87A34-81AB-432B-8DAE-1953F412C126}" type="datetimeFigureOut">
               <a:rPr lang="en-US" dirty="0"/>
-              <a:t>7/31/2024</a:t>
+              <a:t>8/1/2024</a:t>
             </a:fld>
             <a:endParaRPr lang="en-US" dirty="0"/>
           </a:p>
@@ -7763,7 +7936,7 @@
           <a:p>
             <a:fld id="{48A87A34-81AB-432B-8DAE-1953F412C126}" type="datetimeFigureOut">
               <a:rPr lang="en-US" dirty="0"/>
-              <a:t>7/31/2024</a:t>
+              <a:t>8/1/2024</a:t>
             </a:fld>
             <a:endParaRPr lang="en-US" dirty="0"/>
           </a:p>
@@ -8139,7 +8312,7 @@
           <a:p>
             <a:fld id="{48A87A34-81AB-432B-8DAE-1953F412C126}" type="datetimeFigureOut">
               <a:rPr lang="en-US" dirty="0"/>
-              <a:t>7/31/2024</a:t>
+              <a:t>8/1/2024</a:t>
             </a:fld>
             <a:endParaRPr lang="en-US" dirty="0"/>
           </a:p>
@@ -8252,7 +8425,7 @@
           <a:p>
             <a:fld id="{48A87A34-81AB-432B-8DAE-1953F412C126}" type="datetimeFigureOut">
               <a:rPr lang="en-US" dirty="0"/>
-              <a:t>7/31/2024</a:t>
+              <a:t>8/1/2024</a:t>
             </a:fld>
             <a:endParaRPr lang="en-US" dirty="0"/>
           </a:p>
@@ -8342,7 +8515,7 @@
           <a:p>
             <a:fld id="{48A87A34-81AB-432B-8DAE-1953F412C126}" type="datetimeFigureOut">
               <a:rPr lang="en-US" dirty="0"/>
-              <a:t>7/31/2024</a:t>
+              <a:t>8/1/2024</a:t>
             </a:fld>
             <a:endParaRPr lang="en-US" dirty="0"/>
           </a:p>
@@ -8586,7 +8759,7 @@
           <a:p>
             <a:fld id="{48A87A34-81AB-432B-8DAE-1953F412C126}" type="datetimeFigureOut">
               <a:rPr lang="en-US" dirty="0"/>
-              <a:t>7/31/2024</a:t>
+              <a:t>8/1/2024</a:t>
             </a:fld>
             <a:endParaRPr lang="en-US" dirty="0"/>
           </a:p>
@@ -8861,7 +9034,7 @@
           <a:p>
             <a:fld id="{48A87A34-81AB-432B-8DAE-1953F412C126}" type="datetimeFigureOut">
               <a:rPr lang="en-US" dirty="0"/>
-              <a:t>7/31/2024</a:t>
+              <a:t>8/1/2024</a:t>
             </a:fld>
             <a:endParaRPr lang="en-US" dirty="0"/>
           </a:p>
@@ -11934,7 +12107,7 @@
             <a:fld id="{48A87A34-81AB-432B-8DAE-1953F412C126}" type="datetimeFigureOut">
               <a:rPr lang="en-US" dirty="0"/>
               <a:pPr/>
-              <a:t>7/31/2024</a:t>
+              <a:t>8/1/2024</a:t>
             </a:fld>
             <a:endParaRPr lang="en-US" dirty="0"/>
           </a:p>
@@ -12551,7 +12724,15 @@
             </a:r>
             <a:r>
               <a:rPr lang="ko-KR" altLang="en-US" dirty="0"/>
-              <a:t>전송하여 측정하는 시스템입니다</a:t>
+              <a:t>전송하여 측정하는 </a:t>
+            </a:r>
+            <a:r>
+              <a:rPr lang="ko-KR" altLang="en-US" dirty="0" err="1" smtClean="0"/>
+              <a:t>장치개발</a:t>
+            </a:r>
+            <a:r>
+              <a:rPr lang="ko-KR" altLang="en-US" dirty="0" smtClean="0"/>
+              <a:t> 프로젝트 입니다</a:t>
             </a:r>
             <a:r>
               <a:rPr lang="en-US" altLang="ko-KR" dirty="0" smtClean="0"/>
@@ -14986,1215 +15167,1200 @@
           </a:p>
         </p:txBody>
       </p:sp>
-      <p:grpSp>
-        <p:nvGrpSpPr>
-          <p:cNvPr id="7" name="그룹 6"/>
-          <p:cNvGrpSpPr/>
+      <p:sp>
+        <p:nvSpPr>
+          <p:cNvPr id="8" name="자유형 7"/>
+          <p:cNvSpPr/>
           <p:nvPr/>
-        </p:nvGrpSpPr>
-        <p:grpSpPr>
+        </p:nvSpPr>
+        <p:spPr>
           <a:xfrm>
-            <a:off x="1711420" y="2449579"/>
-            <a:ext cx="7702639" cy="3649216"/>
-            <a:chOff x="1145767" y="2769340"/>
-            <a:chExt cx="7201550" cy="2075660"/>
+            <a:off x="772446" y="2406256"/>
+            <a:ext cx="1595355" cy="941198"/>
           </a:xfrm>
-        </p:grpSpPr>
-        <p:sp>
-          <p:nvSpPr>
-            <p:cNvPr id="8" name="자유형 7"/>
-            <p:cNvSpPr/>
-            <p:nvPr/>
-          </p:nvSpPr>
-          <p:spPr>
-            <a:xfrm>
-              <a:off x="1145767" y="2769342"/>
-              <a:ext cx="1491570" cy="535350"/>
-            </a:xfrm>
-            <a:custGeom>
-              <a:avLst/>
-              <a:gdLst>
-                <a:gd name="connsiteX0" fmla="*/ 0 w 1903325"/>
-                <a:gd name="connsiteY0" fmla="*/ 114200 h 1141995"/>
-                <a:gd name="connsiteX1" fmla="*/ 114200 w 1903325"/>
-                <a:gd name="connsiteY1" fmla="*/ 0 h 1141995"/>
-                <a:gd name="connsiteX2" fmla="*/ 1789126 w 1903325"/>
-                <a:gd name="connsiteY2" fmla="*/ 0 h 1141995"/>
-                <a:gd name="connsiteX3" fmla="*/ 1903326 w 1903325"/>
-                <a:gd name="connsiteY3" fmla="*/ 114200 h 1141995"/>
-                <a:gd name="connsiteX4" fmla="*/ 1903325 w 1903325"/>
-                <a:gd name="connsiteY4" fmla="*/ 1027796 h 1141995"/>
-                <a:gd name="connsiteX5" fmla="*/ 1789125 w 1903325"/>
-                <a:gd name="connsiteY5" fmla="*/ 1141996 h 1141995"/>
-                <a:gd name="connsiteX6" fmla="*/ 114200 w 1903325"/>
-                <a:gd name="connsiteY6" fmla="*/ 1141995 h 1141995"/>
-                <a:gd name="connsiteX7" fmla="*/ 0 w 1903325"/>
-                <a:gd name="connsiteY7" fmla="*/ 1027795 h 1141995"/>
-                <a:gd name="connsiteX8" fmla="*/ 0 w 1903325"/>
-                <a:gd name="connsiteY8" fmla="*/ 114200 h 1141995"/>
-              </a:gdLst>
-              <a:ahLst/>
-              <a:cxnLst>
-                <a:cxn ang="0">
-                  <a:pos x="connsiteX0" y="connsiteY0"/>
-                </a:cxn>
-                <a:cxn ang="0">
-                  <a:pos x="connsiteX1" y="connsiteY1"/>
-                </a:cxn>
-                <a:cxn ang="0">
-                  <a:pos x="connsiteX2" y="connsiteY2"/>
-                </a:cxn>
-                <a:cxn ang="0">
-                  <a:pos x="connsiteX3" y="connsiteY3"/>
-                </a:cxn>
-                <a:cxn ang="0">
-                  <a:pos x="connsiteX4" y="connsiteY4"/>
-                </a:cxn>
-                <a:cxn ang="0">
-                  <a:pos x="connsiteX5" y="connsiteY5"/>
-                </a:cxn>
-                <a:cxn ang="0">
-                  <a:pos x="connsiteX6" y="connsiteY6"/>
-                </a:cxn>
-                <a:cxn ang="0">
-                  <a:pos x="connsiteX7" y="connsiteY7"/>
-                </a:cxn>
-                <a:cxn ang="0">
-                  <a:pos x="connsiteX8" y="connsiteY8"/>
-                </a:cxn>
-              </a:cxnLst>
-              <a:rect l="l" t="t" r="r" b="b"/>
-              <a:pathLst>
-                <a:path w="1903325" h="1141995">
-                  <a:moveTo>
-                    <a:pt x="0" y="114200"/>
-                  </a:moveTo>
-                  <a:cubicBezTo>
-                    <a:pt x="0" y="51129"/>
-                    <a:pt x="51129" y="0"/>
-                    <a:pt x="114200" y="0"/>
-                  </a:cubicBezTo>
-                  <a:lnTo>
-                    <a:pt x="1789126" y="0"/>
-                  </a:lnTo>
-                  <a:cubicBezTo>
-                    <a:pt x="1852197" y="0"/>
-                    <a:pt x="1903326" y="51129"/>
-                    <a:pt x="1903326" y="114200"/>
-                  </a:cubicBezTo>
-                  <a:cubicBezTo>
-                    <a:pt x="1903326" y="418732"/>
-                    <a:pt x="1903325" y="723264"/>
-                    <a:pt x="1903325" y="1027796"/>
-                  </a:cubicBezTo>
-                  <a:cubicBezTo>
-                    <a:pt x="1903325" y="1090867"/>
-                    <a:pt x="1852196" y="1141996"/>
-                    <a:pt x="1789125" y="1141996"/>
-                  </a:cubicBezTo>
-                  <a:lnTo>
-                    <a:pt x="114200" y="1141995"/>
-                  </a:lnTo>
-                  <a:cubicBezTo>
-                    <a:pt x="51129" y="1141995"/>
-                    <a:pt x="0" y="1090866"/>
-                    <a:pt x="0" y="1027795"/>
-                  </a:cubicBezTo>
-                  <a:lnTo>
-                    <a:pt x="0" y="114200"/>
-                  </a:lnTo>
-                  <a:close/>
-                </a:path>
-              </a:pathLst>
-            </a:custGeom>
-            <a:solidFill>
-              <a:schemeClr val="accent1">
-                <a:lumMod val="50000"/>
-              </a:schemeClr>
-            </a:solidFill>
-          </p:spPr>
-          <p:style>
-            <a:lnRef idx="2">
-              <a:schemeClr val="lt1">
-                <a:hueOff val="0"/>
-                <a:satOff val="0"/>
-                <a:lumOff val="0"/>
-                <a:alphaOff val="0"/>
-              </a:schemeClr>
-            </a:lnRef>
-            <a:fillRef idx="1">
-              <a:schemeClr val="accent1">
-                <a:hueOff val="0"/>
-                <a:satOff val="0"/>
-                <a:lumOff val="0"/>
-                <a:alphaOff val="0"/>
-              </a:schemeClr>
-            </a:fillRef>
-            <a:effectRef idx="0">
-              <a:schemeClr val="accent1">
-                <a:hueOff val="0"/>
-                <a:satOff val="0"/>
-                <a:lumOff val="0"/>
-                <a:alphaOff val="0"/>
-              </a:schemeClr>
-            </a:effectRef>
-            <a:fontRef idx="minor">
-              <a:schemeClr val="lt1"/>
-            </a:fontRef>
-          </p:style>
-          <p:txBody>
-            <a:bodyPr spcFirstLastPara="0" vert="horz" wrap="square" lIns="124888" tIns="124888" rIns="124888" bIns="124888" numCol="1" spcCol="1270" anchor="ctr" anchorCtr="0">
-              <a:noAutofit/>
-            </a:bodyPr>
-            <a:lstStyle/>
-            <a:p>
-              <a:pPr lvl="0" algn="ctr" defTabSz="1066800" latinLnBrk="1">
-                <a:lnSpc>
-                  <a:spcPct val="90000"/>
-                </a:lnSpc>
-                <a:spcBef>
-                  <a:spcPct val="0"/>
-                </a:spcBef>
-                <a:spcAft>
-                  <a:spcPct val="35000"/>
-                </a:spcAft>
-              </a:pPr>
-              <a:r>
-                <a:rPr lang="en-US" altLang="ko-KR" kern="1200" dirty="0" smtClean="0"/>
-                <a:t>PT100 RTD Sensor</a:t>
-              </a:r>
-              <a:endParaRPr lang="ko-KR" altLang="en-US" kern="1200" dirty="0"/>
-            </a:p>
-          </p:txBody>
-        </p:sp>
-        <p:sp>
-          <p:nvSpPr>
-            <p:cNvPr id="10" name="자유형 9"/>
-            <p:cNvSpPr/>
-            <p:nvPr/>
-          </p:nvSpPr>
-          <p:spPr>
-            <a:xfrm>
-              <a:off x="1145767" y="3932693"/>
-              <a:ext cx="1491570" cy="535350"/>
-            </a:xfrm>
-            <a:custGeom>
-              <a:avLst/>
-              <a:gdLst>
-                <a:gd name="connsiteX0" fmla="*/ 0 w 1903325"/>
-                <a:gd name="connsiteY0" fmla="*/ 114200 h 1141995"/>
-                <a:gd name="connsiteX1" fmla="*/ 114200 w 1903325"/>
-                <a:gd name="connsiteY1" fmla="*/ 0 h 1141995"/>
-                <a:gd name="connsiteX2" fmla="*/ 1789126 w 1903325"/>
-                <a:gd name="connsiteY2" fmla="*/ 0 h 1141995"/>
-                <a:gd name="connsiteX3" fmla="*/ 1903326 w 1903325"/>
-                <a:gd name="connsiteY3" fmla="*/ 114200 h 1141995"/>
-                <a:gd name="connsiteX4" fmla="*/ 1903325 w 1903325"/>
-                <a:gd name="connsiteY4" fmla="*/ 1027796 h 1141995"/>
-                <a:gd name="connsiteX5" fmla="*/ 1789125 w 1903325"/>
-                <a:gd name="connsiteY5" fmla="*/ 1141996 h 1141995"/>
-                <a:gd name="connsiteX6" fmla="*/ 114200 w 1903325"/>
-                <a:gd name="connsiteY6" fmla="*/ 1141995 h 1141995"/>
-                <a:gd name="connsiteX7" fmla="*/ 0 w 1903325"/>
-                <a:gd name="connsiteY7" fmla="*/ 1027795 h 1141995"/>
-                <a:gd name="connsiteX8" fmla="*/ 0 w 1903325"/>
-                <a:gd name="connsiteY8" fmla="*/ 114200 h 1141995"/>
-              </a:gdLst>
-              <a:ahLst/>
-              <a:cxnLst>
-                <a:cxn ang="0">
-                  <a:pos x="connsiteX0" y="connsiteY0"/>
-                </a:cxn>
-                <a:cxn ang="0">
-                  <a:pos x="connsiteX1" y="connsiteY1"/>
-                </a:cxn>
-                <a:cxn ang="0">
-                  <a:pos x="connsiteX2" y="connsiteY2"/>
-                </a:cxn>
-                <a:cxn ang="0">
-                  <a:pos x="connsiteX3" y="connsiteY3"/>
-                </a:cxn>
-                <a:cxn ang="0">
-                  <a:pos x="connsiteX4" y="connsiteY4"/>
-                </a:cxn>
-                <a:cxn ang="0">
-                  <a:pos x="connsiteX5" y="connsiteY5"/>
-                </a:cxn>
-                <a:cxn ang="0">
-                  <a:pos x="connsiteX6" y="connsiteY6"/>
-                </a:cxn>
-                <a:cxn ang="0">
-                  <a:pos x="connsiteX7" y="connsiteY7"/>
-                </a:cxn>
-                <a:cxn ang="0">
-                  <a:pos x="connsiteX8" y="connsiteY8"/>
-                </a:cxn>
-              </a:cxnLst>
-              <a:rect l="l" t="t" r="r" b="b"/>
-              <a:pathLst>
-                <a:path w="1903325" h="1141995">
-                  <a:moveTo>
-                    <a:pt x="0" y="114200"/>
-                  </a:moveTo>
-                  <a:cubicBezTo>
-                    <a:pt x="0" y="51129"/>
-                    <a:pt x="51129" y="0"/>
-                    <a:pt x="114200" y="0"/>
-                  </a:cubicBezTo>
-                  <a:lnTo>
-                    <a:pt x="1789126" y="0"/>
-                  </a:lnTo>
-                  <a:cubicBezTo>
-                    <a:pt x="1852197" y="0"/>
-                    <a:pt x="1903326" y="51129"/>
-                    <a:pt x="1903326" y="114200"/>
-                  </a:cubicBezTo>
-                  <a:cubicBezTo>
-                    <a:pt x="1903326" y="418732"/>
-                    <a:pt x="1903325" y="723264"/>
-                    <a:pt x="1903325" y="1027796"/>
-                  </a:cubicBezTo>
-                  <a:cubicBezTo>
-                    <a:pt x="1903325" y="1090867"/>
-                    <a:pt x="1852196" y="1141996"/>
-                    <a:pt x="1789125" y="1141996"/>
-                  </a:cubicBezTo>
-                  <a:lnTo>
-                    <a:pt x="114200" y="1141995"/>
-                  </a:lnTo>
-                  <a:cubicBezTo>
-                    <a:pt x="51129" y="1141995"/>
-                    <a:pt x="0" y="1090866"/>
-                    <a:pt x="0" y="1027795"/>
-                  </a:cubicBezTo>
-                  <a:lnTo>
-                    <a:pt x="0" y="114200"/>
-                  </a:lnTo>
-                  <a:close/>
-                </a:path>
-              </a:pathLst>
-            </a:custGeom>
-            <a:solidFill>
-              <a:schemeClr val="tx1">
-                <a:lumMod val="50000"/>
-              </a:schemeClr>
-            </a:solidFill>
-          </p:spPr>
-          <p:style>
-            <a:lnRef idx="2">
-              <a:schemeClr val="lt1">
-                <a:hueOff val="0"/>
-                <a:satOff val="0"/>
-                <a:lumOff val="0"/>
-                <a:alphaOff val="0"/>
-              </a:schemeClr>
-            </a:lnRef>
-            <a:fillRef idx="1">
-              <a:schemeClr val="accent1">
-                <a:hueOff val="0"/>
-                <a:satOff val="0"/>
-                <a:lumOff val="0"/>
-                <a:alphaOff val="0"/>
-              </a:schemeClr>
-            </a:fillRef>
-            <a:effectRef idx="0">
-              <a:schemeClr val="accent1">
-                <a:hueOff val="0"/>
-                <a:satOff val="0"/>
-                <a:lumOff val="0"/>
-                <a:alphaOff val="0"/>
-              </a:schemeClr>
-            </a:effectRef>
-            <a:fontRef idx="minor">
-              <a:schemeClr val="lt1"/>
-            </a:fontRef>
-          </p:style>
-          <p:txBody>
-            <a:bodyPr spcFirstLastPara="0" vert="horz" wrap="square" lIns="124888" tIns="124888" rIns="124888" bIns="124888" numCol="1" spcCol="1270" anchor="ctr" anchorCtr="0">
-              <a:noAutofit/>
-            </a:bodyPr>
-            <a:lstStyle/>
-            <a:p>
-              <a:pPr lvl="0" algn="ctr" defTabSz="1066800" latinLnBrk="1">
-                <a:lnSpc>
-                  <a:spcPct val="90000"/>
-                </a:lnSpc>
-                <a:spcBef>
-                  <a:spcPct val="0"/>
-                </a:spcBef>
-                <a:spcAft>
-                  <a:spcPct val="35000"/>
-                </a:spcAft>
-              </a:pPr>
-              <a:r>
-                <a:rPr lang="en-US" altLang="ko-KR" kern="1200" dirty="0" smtClean="0"/>
-                <a:t>ESP32</a:t>
-              </a:r>
-              <a:endParaRPr lang="ko-KR" altLang="en-US" kern="1200" dirty="0"/>
-            </a:p>
-          </p:txBody>
-        </p:sp>
-        <p:sp>
-          <p:nvSpPr>
-            <p:cNvPr id="14" name="자유형 13"/>
-            <p:cNvSpPr/>
-            <p:nvPr/>
-          </p:nvSpPr>
-          <p:spPr>
-            <a:xfrm>
-              <a:off x="4000757" y="3539495"/>
-              <a:ext cx="1491570" cy="535350"/>
-            </a:xfrm>
-            <a:custGeom>
-              <a:avLst/>
-              <a:gdLst>
-                <a:gd name="connsiteX0" fmla="*/ 0 w 1903325"/>
-                <a:gd name="connsiteY0" fmla="*/ 114200 h 1141995"/>
-                <a:gd name="connsiteX1" fmla="*/ 114200 w 1903325"/>
-                <a:gd name="connsiteY1" fmla="*/ 0 h 1141995"/>
-                <a:gd name="connsiteX2" fmla="*/ 1789126 w 1903325"/>
-                <a:gd name="connsiteY2" fmla="*/ 0 h 1141995"/>
-                <a:gd name="connsiteX3" fmla="*/ 1903326 w 1903325"/>
-                <a:gd name="connsiteY3" fmla="*/ 114200 h 1141995"/>
-                <a:gd name="connsiteX4" fmla="*/ 1903325 w 1903325"/>
-                <a:gd name="connsiteY4" fmla="*/ 1027796 h 1141995"/>
-                <a:gd name="connsiteX5" fmla="*/ 1789125 w 1903325"/>
-                <a:gd name="connsiteY5" fmla="*/ 1141996 h 1141995"/>
-                <a:gd name="connsiteX6" fmla="*/ 114200 w 1903325"/>
-                <a:gd name="connsiteY6" fmla="*/ 1141995 h 1141995"/>
-                <a:gd name="connsiteX7" fmla="*/ 0 w 1903325"/>
-                <a:gd name="connsiteY7" fmla="*/ 1027795 h 1141995"/>
-                <a:gd name="connsiteX8" fmla="*/ 0 w 1903325"/>
-                <a:gd name="connsiteY8" fmla="*/ 114200 h 1141995"/>
-              </a:gdLst>
-              <a:ahLst/>
-              <a:cxnLst>
-                <a:cxn ang="0">
-                  <a:pos x="connsiteX0" y="connsiteY0"/>
-                </a:cxn>
-                <a:cxn ang="0">
-                  <a:pos x="connsiteX1" y="connsiteY1"/>
-                </a:cxn>
-                <a:cxn ang="0">
-                  <a:pos x="connsiteX2" y="connsiteY2"/>
-                </a:cxn>
-                <a:cxn ang="0">
-                  <a:pos x="connsiteX3" y="connsiteY3"/>
-                </a:cxn>
-                <a:cxn ang="0">
-                  <a:pos x="connsiteX4" y="connsiteY4"/>
-                </a:cxn>
-                <a:cxn ang="0">
-                  <a:pos x="connsiteX5" y="connsiteY5"/>
-                </a:cxn>
-                <a:cxn ang="0">
-                  <a:pos x="connsiteX6" y="connsiteY6"/>
-                </a:cxn>
-                <a:cxn ang="0">
-                  <a:pos x="connsiteX7" y="connsiteY7"/>
-                </a:cxn>
-                <a:cxn ang="0">
-                  <a:pos x="connsiteX8" y="connsiteY8"/>
-                </a:cxn>
-              </a:cxnLst>
-              <a:rect l="l" t="t" r="r" b="b"/>
-              <a:pathLst>
-                <a:path w="1903325" h="1141995">
-                  <a:moveTo>
-                    <a:pt x="0" y="114200"/>
-                  </a:moveTo>
-                  <a:cubicBezTo>
-                    <a:pt x="0" y="51129"/>
-                    <a:pt x="51129" y="0"/>
-                    <a:pt x="114200" y="0"/>
-                  </a:cubicBezTo>
-                  <a:lnTo>
-                    <a:pt x="1789126" y="0"/>
-                  </a:lnTo>
-                  <a:cubicBezTo>
-                    <a:pt x="1852197" y="0"/>
-                    <a:pt x="1903326" y="51129"/>
-                    <a:pt x="1903326" y="114200"/>
-                  </a:cubicBezTo>
-                  <a:cubicBezTo>
-                    <a:pt x="1903326" y="418732"/>
-                    <a:pt x="1903325" y="723264"/>
-                    <a:pt x="1903325" y="1027796"/>
-                  </a:cubicBezTo>
-                  <a:cubicBezTo>
-                    <a:pt x="1903325" y="1090867"/>
-                    <a:pt x="1852196" y="1141996"/>
-                    <a:pt x="1789125" y="1141996"/>
-                  </a:cubicBezTo>
-                  <a:lnTo>
-                    <a:pt x="114200" y="1141995"/>
-                  </a:lnTo>
-                  <a:cubicBezTo>
-                    <a:pt x="51129" y="1141995"/>
-                    <a:pt x="0" y="1090866"/>
-                    <a:pt x="0" y="1027795"/>
-                  </a:cubicBezTo>
-                  <a:lnTo>
-                    <a:pt x="0" y="114200"/>
-                  </a:lnTo>
-                  <a:close/>
-                </a:path>
-              </a:pathLst>
-            </a:custGeom>
-          </p:spPr>
-          <p:style>
-            <a:lnRef idx="2">
-              <a:schemeClr val="lt1">
-                <a:hueOff val="0"/>
-                <a:satOff val="0"/>
-                <a:lumOff val="0"/>
-                <a:alphaOff val="0"/>
-              </a:schemeClr>
-            </a:lnRef>
-            <a:fillRef idx="1">
-              <a:schemeClr val="accent1">
-                <a:hueOff val="0"/>
-                <a:satOff val="0"/>
-                <a:lumOff val="0"/>
-                <a:alphaOff val="0"/>
-              </a:schemeClr>
-            </a:fillRef>
-            <a:effectRef idx="0">
-              <a:schemeClr val="accent1">
-                <a:hueOff val="0"/>
-                <a:satOff val="0"/>
-                <a:lumOff val="0"/>
-                <a:alphaOff val="0"/>
-              </a:schemeClr>
-            </a:effectRef>
-            <a:fontRef idx="minor">
-              <a:schemeClr val="lt1"/>
-            </a:fontRef>
-          </p:style>
-          <p:txBody>
-            <a:bodyPr spcFirstLastPara="0" vert="horz" wrap="square" lIns="124888" tIns="124888" rIns="124888" bIns="124888" numCol="1" spcCol="1270" anchor="ctr" anchorCtr="0">
-              <a:noAutofit/>
-            </a:bodyPr>
-            <a:lstStyle/>
-            <a:p>
-              <a:pPr lvl="0" algn="ctr" defTabSz="1066800" latinLnBrk="1">
-                <a:lnSpc>
-                  <a:spcPct val="90000"/>
-                </a:lnSpc>
-                <a:spcBef>
-                  <a:spcPct val="0"/>
-                </a:spcBef>
-                <a:spcAft>
-                  <a:spcPct val="35000"/>
-                </a:spcAft>
-              </a:pPr>
-              <a:r>
-                <a:rPr lang="en-US" altLang="ko-KR" kern="1200" dirty="0" smtClean="0"/>
-                <a:t>Relay2</a:t>
-              </a:r>
-            </a:p>
-            <a:p>
-              <a:pPr lvl="0" algn="ctr" defTabSz="1066800" latinLnBrk="1">
-                <a:lnSpc>
-                  <a:spcPct val="90000"/>
-                </a:lnSpc>
-                <a:spcBef>
-                  <a:spcPct val="0"/>
-                </a:spcBef>
-                <a:spcAft>
-                  <a:spcPct val="35000"/>
-                </a:spcAft>
-              </a:pPr>
-              <a:endParaRPr lang="ko-KR" altLang="en-US" kern="1200" dirty="0"/>
-            </a:p>
-          </p:txBody>
-        </p:sp>
-        <p:sp>
-          <p:nvSpPr>
-            <p:cNvPr id="16" name="자유형 15"/>
-            <p:cNvSpPr/>
-            <p:nvPr/>
-          </p:nvSpPr>
-          <p:spPr>
-            <a:xfrm>
-              <a:off x="4000757" y="4309650"/>
-              <a:ext cx="1491570" cy="535350"/>
-            </a:xfrm>
-            <a:custGeom>
-              <a:avLst/>
-              <a:gdLst>
-                <a:gd name="connsiteX0" fmla="*/ 0 w 1903325"/>
-                <a:gd name="connsiteY0" fmla="*/ 114200 h 1141995"/>
-                <a:gd name="connsiteX1" fmla="*/ 114200 w 1903325"/>
-                <a:gd name="connsiteY1" fmla="*/ 0 h 1141995"/>
-                <a:gd name="connsiteX2" fmla="*/ 1789126 w 1903325"/>
-                <a:gd name="connsiteY2" fmla="*/ 0 h 1141995"/>
-                <a:gd name="connsiteX3" fmla="*/ 1903326 w 1903325"/>
-                <a:gd name="connsiteY3" fmla="*/ 114200 h 1141995"/>
-                <a:gd name="connsiteX4" fmla="*/ 1903325 w 1903325"/>
-                <a:gd name="connsiteY4" fmla="*/ 1027796 h 1141995"/>
-                <a:gd name="connsiteX5" fmla="*/ 1789125 w 1903325"/>
-                <a:gd name="connsiteY5" fmla="*/ 1141996 h 1141995"/>
-                <a:gd name="connsiteX6" fmla="*/ 114200 w 1903325"/>
-                <a:gd name="connsiteY6" fmla="*/ 1141995 h 1141995"/>
-                <a:gd name="connsiteX7" fmla="*/ 0 w 1903325"/>
-                <a:gd name="connsiteY7" fmla="*/ 1027795 h 1141995"/>
-                <a:gd name="connsiteX8" fmla="*/ 0 w 1903325"/>
-                <a:gd name="connsiteY8" fmla="*/ 114200 h 1141995"/>
-              </a:gdLst>
-              <a:ahLst/>
-              <a:cxnLst>
-                <a:cxn ang="0">
-                  <a:pos x="connsiteX0" y="connsiteY0"/>
-                </a:cxn>
-                <a:cxn ang="0">
-                  <a:pos x="connsiteX1" y="connsiteY1"/>
-                </a:cxn>
-                <a:cxn ang="0">
-                  <a:pos x="connsiteX2" y="connsiteY2"/>
-                </a:cxn>
-                <a:cxn ang="0">
-                  <a:pos x="connsiteX3" y="connsiteY3"/>
-                </a:cxn>
-                <a:cxn ang="0">
-                  <a:pos x="connsiteX4" y="connsiteY4"/>
-                </a:cxn>
-                <a:cxn ang="0">
-                  <a:pos x="connsiteX5" y="connsiteY5"/>
-                </a:cxn>
-                <a:cxn ang="0">
-                  <a:pos x="connsiteX6" y="connsiteY6"/>
-                </a:cxn>
-                <a:cxn ang="0">
-                  <a:pos x="connsiteX7" y="connsiteY7"/>
-                </a:cxn>
-                <a:cxn ang="0">
-                  <a:pos x="connsiteX8" y="connsiteY8"/>
-                </a:cxn>
-              </a:cxnLst>
-              <a:rect l="l" t="t" r="r" b="b"/>
-              <a:pathLst>
-                <a:path w="1903325" h="1141995">
-                  <a:moveTo>
-                    <a:pt x="0" y="114200"/>
-                  </a:moveTo>
-                  <a:cubicBezTo>
-                    <a:pt x="0" y="51129"/>
-                    <a:pt x="51129" y="0"/>
-                    <a:pt x="114200" y="0"/>
-                  </a:cubicBezTo>
-                  <a:lnTo>
-                    <a:pt x="1789126" y="0"/>
-                  </a:lnTo>
-                  <a:cubicBezTo>
-                    <a:pt x="1852197" y="0"/>
-                    <a:pt x="1903326" y="51129"/>
-                    <a:pt x="1903326" y="114200"/>
-                  </a:cubicBezTo>
-                  <a:cubicBezTo>
-                    <a:pt x="1903326" y="418732"/>
-                    <a:pt x="1903325" y="723264"/>
-                    <a:pt x="1903325" y="1027796"/>
-                  </a:cubicBezTo>
-                  <a:cubicBezTo>
-                    <a:pt x="1903325" y="1090867"/>
-                    <a:pt x="1852196" y="1141996"/>
-                    <a:pt x="1789125" y="1141996"/>
-                  </a:cubicBezTo>
-                  <a:lnTo>
-                    <a:pt x="114200" y="1141995"/>
-                  </a:lnTo>
-                  <a:cubicBezTo>
-                    <a:pt x="51129" y="1141995"/>
-                    <a:pt x="0" y="1090866"/>
-                    <a:pt x="0" y="1027795"/>
-                  </a:cubicBezTo>
-                  <a:lnTo>
-                    <a:pt x="0" y="114200"/>
-                  </a:lnTo>
-                  <a:close/>
-                </a:path>
-              </a:pathLst>
-            </a:custGeom>
-          </p:spPr>
-          <p:style>
-            <a:lnRef idx="2">
-              <a:schemeClr val="lt1">
-                <a:hueOff val="0"/>
-                <a:satOff val="0"/>
-                <a:lumOff val="0"/>
-                <a:alphaOff val="0"/>
-              </a:schemeClr>
-            </a:lnRef>
-            <a:fillRef idx="1">
-              <a:schemeClr val="accent1">
-                <a:hueOff val="0"/>
-                <a:satOff val="0"/>
-                <a:lumOff val="0"/>
-                <a:alphaOff val="0"/>
-              </a:schemeClr>
-            </a:fillRef>
-            <a:effectRef idx="0">
-              <a:schemeClr val="accent1">
-                <a:hueOff val="0"/>
-                <a:satOff val="0"/>
-                <a:lumOff val="0"/>
-                <a:alphaOff val="0"/>
-              </a:schemeClr>
-            </a:effectRef>
-            <a:fontRef idx="minor">
-              <a:schemeClr val="lt1"/>
-            </a:fontRef>
-          </p:style>
-          <p:txBody>
-            <a:bodyPr spcFirstLastPara="0" vert="horz" wrap="square" lIns="124888" tIns="124888" rIns="124888" bIns="124888" numCol="1" spcCol="1270" anchor="ctr" anchorCtr="0">
-              <a:noAutofit/>
-            </a:bodyPr>
-            <a:lstStyle/>
-            <a:p>
-              <a:pPr lvl="0" algn="ctr" defTabSz="1066800" latinLnBrk="1">
-                <a:lnSpc>
-                  <a:spcPct val="90000"/>
-                </a:lnSpc>
-                <a:spcBef>
-                  <a:spcPct val="0"/>
-                </a:spcBef>
-                <a:spcAft>
-                  <a:spcPct val="35000"/>
-                </a:spcAft>
-              </a:pPr>
-              <a:r>
-                <a:rPr lang="en-US" altLang="ko-KR" kern="1200" dirty="0" smtClean="0"/>
-                <a:t>Relay3</a:t>
-              </a:r>
-            </a:p>
-            <a:p>
-              <a:pPr lvl="0" algn="ctr" defTabSz="1066800" latinLnBrk="1">
-                <a:lnSpc>
-                  <a:spcPct val="90000"/>
-                </a:lnSpc>
-                <a:spcBef>
-                  <a:spcPct val="0"/>
-                </a:spcBef>
-                <a:spcAft>
-                  <a:spcPct val="35000"/>
-                </a:spcAft>
-              </a:pPr>
-              <a:endParaRPr lang="ko-KR" altLang="en-US" kern="1200" dirty="0"/>
-            </a:p>
-          </p:txBody>
-        </p:sp>
-        <p:sp>
-          <p:nvSpPr>
-            <p:cNvPr id="18" name="자유형 17"/>
-            <p:cNvSpPr/>
-            <p:nvPr/>
-          </p:nvSpPr>
-          <p:spPr>
-            <a:xfrm>
-              <a:off x="6855747" y="4309650"/>
-              <a:ext cx="1491570" cy="535350"/>
-            </a:xfrm>
-            <a:custGeom>
-              <a:avLst/>
-              <a:gdLst>
-                <a:gd name="connsiteX0" fmla="*/ 0 w 1903325"/>
-                <a:gd name="connsiteY0" fmla="*/ 114200 h 1141995"/>
-                <a:gd name="connsiteX1" fmla="*/ 114200 w 1903325"/>
-                <a:gd name="connsiteY1" fmla="*/ 0 h 1141995"/>
-                <a:gd name="connsiteX2" fmla="*/ 1789126 w 1903325"/>
-                <a:gd name="connsiteY2" fmla="*/ 0 h 1141995"/>
-                <a:gd name="connsiteX3" fmla="*/ 1903326 w 1903325"/>
-                <a:gd name="connsiteY3" fmla="*/ 114200 h 1141995"/>
-                <a:gd name="connsiteX4" fmla="*/ 1903325 w 1903325"/>
-                <a:gd name="connsiteY4" fmla="*/ 1027796 h 1141995"/>
-                <a:gd name="connsiteX5" fmla="*/ 1789125 w 1903325"/>
-                <a:gd name="connsiteY5" fmla="*/ 1141996 h 1141995"/>
-                <a:gd name="connsiteX6" fmla="*/ 114200 w 1903325"/>
-                <a:gd name="connsiteY6" fmla="*/ 1141995 h 1141995"/>
-                <a:gd name="connsiteX7" fmla="*/ 0 w 1903325"/>
-                <a:gd name="connsiteY7" fmla="*/ 1027795 h 1141995"/>
-                <a:gd name="connsiteX8" fmla="*/ 0 w 1903325"/>
-                <a:gd name="connsiteY8" fmla="*/ 114200 h 1141995"/>
-              </a:gdLst>
-              <a:ahLst/>
-              <a:cxnLst>
-                <a:cxn ang="0">
-                  <a:pos x="connsiteX0" y="connsiteY0"/>
-                </a:cxn>
-                <a:cxn ang="0">
-                  <a:pos x="connsiteX1" y="connsiteY1"/>
-                </a:cxn>
-                <a:cxn ang="0">
-                  <a:pos x="connsiteX2" y="connsiteY2"/>
-                </a:cxn>
-                <a:cxn ang="0">
-                  <a:pos x="connsiteX3" y="connsiteY3"/>
-                </a:cxn>
-                <a:cxn ang="0">
-                  <a:pos x="connsiteX4" y="connsiteY4"/>
-                </a:cxn>
-                <a:cxn ang="0">
-                  <a:pos x="connsiteX5" y="connsiteY5"/>
-                </a:cxn>
-                <a:cxn ang="0">
-                  <a:pos x="connsiteX6" y="connsiteY6"/>
-                </a:cxn>
-                <a:cxn ang="0">
-                  <a:pos x="connsiteX7" y="connsiteY7"/>
-                </a:cxn>
-                <a:cxn ang="0">
-                  <a:pos x="connsiteX8" y="connsiteY8"/>
-                </a:cxn>
-              </a:cxnLst>
-              <a:rect l="l" t="t" r="r" b="b"/>
-              <a:pathLst>
-                <a:path w="1903325" h="1141995">
-                  <a:moveTo>
-                    <a:pt x="0" y="114200"/>
-                  </a:moveTo>
-                  <a:cubicBezTo>
-                    <a:pt x="0" y="51129"/>
-                    <a:pt x="51129" y="0"/>
-                    <a:pt x="114200" y="0"/>
-                  </a:cubicBezTo>
-                  <a:lnTo>
-                    <a:pt x="1789126" y="0"/>
-                  </a:lnTo>
-                  <a:cubicBezTo>
-                    <a:pt x="1852197" y="0"/>
-                    <a:pt x="1903326" y="51129"/>
-                    <a:pt x="1903326" y="114200"/>
-                  </a:cubicBezTo>
-                  <a:cubicBezTo>
-                    <a:pt x="1903326" y="418732"/>
-                    <a:pt x="1903325" y="723264"/>
-                    <a:pt x="1903325" y="1027796"/>
-                  </a:cubicBezTo>
-                  <a:cubicBezTo>
-                    <a:pt x="1903325" y="1090867"/>
-                    <a:pt x="1852196" y="1141996"/>
-                    <a:pt x="1789125" y="1141996"/>
-                  </a:cubicBezTo>
-                  <a:lnTo>
-                    <a:pt x="114200" y="1141995"/>
-                  </a:lnTo>
-                  <a:cubicBezTo>
-                    <a:pt x="51129" y="1141995"/>
-                    <a:pt x="0" y="1090866"/>
-                    <a:pt x="0" y="1027795"/>
-                  </a:cubicBezTo>
-                  <a:lnTo>
-                    <a:pt x="0" y="114200"/>
-                  </a:lnTo>
-                  <a:close/>
-                </a:path>
-              </a:pathLst>
-            </a:custGeom>
-            <a:solidFill>
-              <a:schemeClr val="tx2">
-                <a:lumMod val="50000"/>
-              </a:schemeClr>
-            </a:solidFill>
-          </p:spPr>
-          <p:style>
-            <a:lnRef idx="2">
-              <a:schemeClr val="lt1">
-                <a:hueOff val="0"/>
-                <a:satOff val="0"/>
-                <a:lumOff val="0"/>
-                <a:alphaOff val="0"/>
-              </a:schemeClr>
-            </a:lnRef>
-            <a:fillRef idx="1">
-              <a:schemeClr val="accent1">
-                <a:hueOff val="0"/>
-                <a:satOff val="0"/>
-                <a:lumOff val="0"/>
-                <a:alphaOff val="0"/>
-              </a:schemeClr>
-            </a:fillRef>
-            <a:effectRef idx="0">
-              <a:schemeClr val="accent1">
-                <a:hueOff val="0"/>
-                <a:satOff val="0"/>
-                <a:lumOff val="0"/>
-                <a:alphaOff val="0"/>
-              </a:schemeClr>
-            </a:effectRef>
-            <a:fontRef idx="minor">
-              <a:schemeClr val="lt1"/>
-            </a:fontRef>
-          </p:style>
-          <p:txBody>
-            <a:bodyPr spcFirstLastPara="0" vert="horz" wrap="square" lIns="124888" tIns="124888" rIns="124888" bIns="124888" numCol="1" spcCol="1270" anchor="ctr" anchorCtr="0">
-              <a:noAutofit/>
-            </a:bodyPr>
-            <a:lstStyle/>
-            <a:p>
-              <a:pPr lvl="0" algn="ctr" defTabSz="1066800" latinLnBrk="1">
-                <a:lnSpc>
-                  <a:spcPct val="90000"/>
-                </a:lnSpc>
-                <a:spcBef>
-                  <a:spcPct val="0"/>
-                </a:spcBef>
-                <a:spcAft>
-                  <a:spcPct val="35000"/>
-                </a:spcAft>
-              </a:pPr>
-              <a:r>
-                <a:rPr lang="en-US" altLang="ko-KR" kern="1200" dirty="0" smtClean="0"/>
-                <a:t>DSFOX</a:t>
-              </a:r>
-              <a:endParaRPr lang="ko-KR" altLang="en-US" kern="1200" dirty="0"/>
-            </a:p>
-          </p:txBody>
-        </p:sp>
-        <p:sp>
-          <p:nvSpPr>
-            <p:cNvPr id="20" name="자유형 19"/>
-            <p:cNvSpPr/>
-            <p:nvPr/>
-          </p:nvSpPr>
-          <p:spPr>
-            <a:xfrm>
-              <a:off x="6855747" y="2769340"/>
-              <a:ext cx="1491570" cy="535350"/>
-            </a:xfrm>
-            <a:custGeom>
-              <a:avLst/>
-              <a:gdLst>
-                <a:gd name="connsiteX0" fmla="*/ 0 w 1903325"/>
-                <a:gd name="connsiteY0" fmla="*/ 114200 h 1141995"/>
-                <a:gd name="connsiteX1" fmla="*/ 114200 w 1903325"/>
-                <a:gd name="connsiteY1" fmla="*/ 0 h 1141995"/>
-                <a:gd name="connsiteX2" fmla="*/ 1789126 w 1903325"/>
-                <a:gd name="connsiteY2" fmla="*/ 0 h 1141995"/>
-                <a:gd name="connsiteX3" fmla="*/ 1903326 w 1903325"/>
-                <a:gd name="connsiteY3" fmla="*/ 114200 h 1141995"/>
-                <a:gd name="connsiteX4" fmla="*/ 1903325 w 1903325"/>
-                <a:gd name="connsiteY4" fmla="*/ 1027796 h 1141995"/>
-                <a:gd name="connsiteX5" fmla="*/ 1789125 w 1903325"/>
-                <a:gd name="connsiteY5" fmla="*/ 1141996 h 1141995"/>
-                <a:gd name="connsiteX6" fmla="*/ 114200 w 1903325"/>
-                <a:gd name="connsiteY6" fmla="*/ 1141995 h 1141995"/>
-                <a:gd name="connsiteX7" fmla="*/ 0 w 1903325"/>
-                <a:gd name="connsiteY7" fmla="*/ 1027795 h 1141995"/>
-                <a:gd name="connsiteX8" fmla="*/ 0 w 1903325"/>
-                <a:gd name="connsiteY8" fmla="*/ 114200 h 1141995"/>
-              </a:gdLst>
-              <a:ahLst/>
-              <a:cxnLst>
-                <a:cxn ang="0">
-                  <a:pos x="connsiteX0" y="connsiteY0"/>
-                </a:cxn>
-                <a:cxn ang="0">
-                  <a:pos x="connsiteX1" y="connsiteY1"/>
-                </a:cxn>
-                <a:cxn ang="0">
-                  <a:pos x="connsiteX2" y="connsiteY2"/>
-                </a:cxn>
-                <a:cxn ang="0">
-                  <a:pos x="connsiteX3" y="connsiteY3"/>
-                </a:cxn>
-                <a:cxn ang="0">
-                  <a:pos x="connsiteX4" y="connsiteY4"/>
-                </a:cxn>
-                <a:cxn ang="0">
-                  <a:pos x="connsiteX5" y="connsiteY5"/>
-                </a:cxn>
-                <a:cxn ang="0">
-                  <a:pos x="connsiteX6" y="connsiteY6"/>
-                </a:cxn>
-                <a:cxn ang="0">
-                  <a:pos x="connsiteX7" y="connsiteY7"/>
-                </a:cxn>
-                <a:cxn ang="0">
-                  <a:pos x="connsiteX8" y="connsiteY8"/>
-                </a:cxn>
-              </a:cxnLst>
-              <a:rect l="l" t="t" r="r" b="b"/>
-              <a:pathLst>
-                <a:path w="1903325" h="1141995">
-                  <a:moveTo>
-                    <a:pt x="0" y="114200"/>
-                  </a:moveTo>
-                  <a:cubicBezTo>
-                    <a:pt x="0" y="51129"/>
-                    <a:pt x="51129" y="0"/>
-                    <a:pt x="114200" y="0"/>
-                  </a:cubicBezTo>
-                  <a:lnTo>
-                    <a:pt x="1789126" y="0"/>
-                  </a:lnTo>
-                  <a:cubicBezTo>
-                    <a:pt x="1852197" y="0"/>
-                    <a:pt x="1903326" y="51129"/>
-                    <a:pt x="1903326" y="114200"/>
-                  </a:cubicBezTo>
-                  <a:cubicBezTo>
-                    <a:pt x="1903326" y="418732"/>
-                    <a:pt x="1903325" y="723264"/>
-                    <a:pt x="1903325" y="1027796"/>
-                  </a:cubicBezTo>
-                  <a:cubicBezTo>
-                    <a:pt x="1903325" y="1090867"/>
-                    <a:pt x="1852196" y="1141996"/>
-                    <a:pt x="1789125" y="1141996"/>
-                  </a:cubicBezTo>
-                  <a:lnTo>
-                    <a:pt x="114200" y="1141995"/>
-                  </a:lnTo>
-                  <a:cubicBezTo>
-                    <a:pt x="51129" y="1141995"/>
-                    <a:pt x="0" y="1090866"/>
-                    <a:pt x="0" y="1027795"/>
-                  </a:cubicBezTo>
-                  <a:lnTo>
-                    <a:pt x="0" y="114200"/>
-                  </a:lnTo>
-                  <a:close/>
-                </a:path>
-              </a:pathLst>
-            </a:custGeom>
-            <a:solidFill>
-              <a:schemeClr val="bg2">
-                <a:lumMod val="60000"/>
-                <a:lumOff val="40000"/>
-              </a:schemeClr>
-            </a:solidFill>
-          </p:spPr>
-          <p:style>
-            <a:lnRef idx="2">
-              <a:schemeClr val="lt1">
-                <a:hueOff val="0"/>
-                <a:satOff val="0"/>
-                <a:lumOff val="0"/>
-                <a:alphaOff val="0"/>
-              </a:schemeClr>
-            </a:lnRef>
-            <a:fillRef idx="1">
-              <a:schemeClr val="accent1">
-                <a:hueOff val="0"/>
-                <a:satOff val="0"/>
-                <a:lumOff val="0"/>
-                <a:alphaOff val="0"/>
-              </a:schemeClr>
-            </a:fillRef>
-            <a:effectRef idx="0">
-              <a:schemeClr val="accent1">
-                <a:hueOff val="0"/>
-                <a:satOff val="0"/>
-                <a:lumOff val="0"/>
-                <a:alphaOff val="0"/>
-              </a:schemeClr>
-            </a:effectRef>
-            <a:fontRef idx="minor">
-              <a:schemeClr val="lt1"/>
-            </a:fontRef>
-          </p:style>
-          <p:txBody>
-            <a:bodyPr spcFirstLastPara="0" vert="horz" wrap="square" lIns="124888" tIns="124888" rIns="124888" bIns="124888" numCol="1" spcCol="1270" anchor="ctr" anchorCtr="0">
-              <a:noAutofit/>
-            </a:bodyPr>
-            <a:lstStyle/>
-            <a:p>
-              <a:pPr lvl="0" algn="ctr" defTabSz="1066800" latinLnBrk="1">
-                <a:lnSpc>
-                  <a:spcPct val="90000"/>
-                </a:lnSpc>
-                <a:spcBef>
-                  <a:spcPct val="0"/>
-                </a:spcBef>
-                <a:spcAft>
-                  <a:spcPct val="35000"/>
-                </a:spcAft>
-              </a:pPr>
-              <a:r>
-                <a:rPr lang="en-US" altLang="ko-KR" kern="1200" dirty="0" smtClean="0"/>
-                <a:t>MAX31865</a:t>
-              </a:r>
-              <a:endParaRPr lang="ko-KR" altLang="en-US" kern="1200" dirty="0"/>
-            </a:p>
-          </p:txBody>
-        </p:sp>
-        <p:sp>
-          <p:nvSpPr>
-            <p:cNvPr id="12" name="자유형 11"/>
-            <p:cNvSpPr/>
-            <p:nvPr/>
-          </p:nvSpPr>
-          <p:spPr>
-            <a:xfrm>
-              <a:off x="4000757" y="2769341"/>
-              <a:ext cx="1491570" cy="535350"/>
-            </a:xfrm>
-            <a:custGeom>
-              <a:avLst/>
-              <a:gdLst>
-                <a:gd name="connsiteX0" fmla="*/ 0 w 1903325"/>
-                <a:gd name="connsiteY0" fmla="*/ 114200 h 1141995"/>
-                <a:gd name="connsiteX1" fmla="*/ 114200 w 1903325"/>
-                <a:gd name="connsiteY1" fmla="*/ 0 h 1141995"/>
-                <a:gd name="connsiteX2" fmla="*/ 1789126 w 1903325"/>
-                <a:gd name="connsiteY2" fmla="*/ 0 h 1141995"/>
-                <a:gd name="connsiteX3" fmla="*/ 1903326 w 1903325"/>
-                <a:gd name="connsiteY3" fmla="*/ 114200 h 1141995"/>
-                <a:gd name="connsiteX4" fmla="*/ 1903325 w 1903325"/>
-                <a:gd name="connsiteY4" fmla="*/ 1027796 h 1141995"/>
-                <a:gd name="connsiteX5" fmla="*/ 1789125 w 1903325"/>
-                <a:gd name="connsiteY5" fmla="*/ 1141996 h 1141995"/>
-                <a:gd name="connsiteX6" fmla="*/ 114200 w 1903325"/>
-                <a:gd name="connsiteY6" fmla="*/ 1141995 h 1141995"/>
-                <a:gd name="connsiteX7" fmla="*/ 0 w 1903325"/>
-                <a:gd name="connsiteY7" fmla="*/ 1027795 h 1141995"/>
-                <a:gd name="connsiteX8" fmla="*/ 0 w 1903325"/>
-                <a:gd name="connsiteY8" fmla="*/ 114200 h 1141995"/>
-              </a:gdLst>
-              <a:ahLst/>
-              <a:cxnLst>
-                <a:cxn ang="0">
-                  <a:pos x="connsiteX0" y="connsiteY0"/>
-                </a:cxn>
-                <a:cxn ang="0">
-                  <a:pos x="connsiteX1" y="connsiteY1"/>
-                </a:cxn>
-                <a:cxn ang="0">
-                  <a:pos x="connsiteX2" y="connsiteY2"/>
-                </a:cxn>
-                <a:cxn ang="0">
-                  <a:pos x="connsiteX3" y="connsiteY3"/>
-                </a:cxn>
-                <a:cxn ang="0">
-                  <a:pos x="connsiteX4" y="connsiteY4"/>
-                </a:cxn>
-                <a:cxn ang="0">
-                  <a:pos x="connsiteX5" y="connsiteY5"/>
-                </a:cxn>
-                <a:cxn ang="0">
-                  <a:pos x="connsiteX6" y="connsiteY6"/>
-                </a:cxn>
-                <a:cxn ang="0">
-                  <a:pos x="connsiteX7" y="connsiteY7"/>
-                </a:cxn>
-                <a:cxn ang="0">
-                  <a:pos x="connsiteX8" y="connsiteY8"/>
-                </a:cxn>
-              </a:cxnLst>
-              <a:rect l="l" t="t" r="r" b="b"/>
-              <a:pathLst>
-                <a:path w="1903325" h="1141995">
-                  <a:moveTo>
-                    <a:pt x="0" y="114200"/>
-                  </a:moveTo>
-                  <a:cubicBezTo>
-                    <a:pt x="0" y="51129"/>
-                    <a:pt x="51129" y="0"/>
-                    <a:pt x="114200" y="0"/>
-                  </a:cubicBezTo>
-                  <a:lnTo>
-                    <a:pt x="1789126" y="0"/>
-                  </a:lnTo>
-                  <a:cubicBezTo>
-                    <a:pt x="1852197" y="0"/>
-                    <a:pt x="1903326" y="51129"/>
-                    <a:pt x="1903326" y="114200"/>
-                  </a:cubicBezTo>
-                  <a:cubicBezTo>
-                    <a:pt x="1903326" y="418732"/>
-                    <a:pt x="1903325" y="723264"/>
-                    <a:pt x="1903325" y="1027796"/>
-                  </a:cubicBezTo>
-                  <a:cubicBezTo>
-                    <a:pt x="1903325" y="1090867"/>
-                    <a:pt x="1852196" y="1141996"/>
-                    <a:pt x="1789125" y="1141996"/>
-                  </a:cubicBezTo>
-                  <a:lnTo>
-                    <a:pt x="114200" y="1141995"/>
-                  </a:lnTo>
-                  <a:cubicBezTo>
-                    <a:pt x="51129" y="1141995"/>
-                    <a:pt x="0" y="1090866"/>
-                    <a:pt x="0" y="1027795"/>
-                  </a:cubicBezTo>
-                  <a:lnTo>
-                    <a:pt x="0" y="114200"/>
-                  </a:lnTo>
-                  <a:close/>
-                </a:path>
-              </a:pathLst>
-            </a:custGeom>
-          </p:spPr>
-          <p:style>
-            <a:lnRef idx="2">
-              <a:schemeClr val="lt1">
-                <a:hueOff val="0"/>
-                <a:satOff val="0"/>
-                <a:lumOff val="0"/>
-                <a:alphaOff val="0"/>
-              </a:schemeClr>
-            </a:lnRef>
-            <a:fillRef idx="1">
-              <a:schemeClr val="accent1">
-                <a:hueOff val="0"/>
-                <a:satOff val="0"/>
-                <a:lumOff val="0"/>
-                <a:alphaOff val="0"/>
-              </a:schemeClr>
-            </a:fillRef>
-            <a:effectRef idx="0">
-              <a:schemeClr val="accent1">
-                <a:hueOff val="0"/>
-                <a:satOff val="0"/>
-                <a:lumOff val="0"/>
-                <a:alphaOff val="0"/>
-              </a:schemeClr>
-            </a:effectRef>
-            <a:fontRef idx="minor">
-              <a:schemeClr val="lt1"/>
-            </a:fontRef>
-          </p:style>
-          <p:txBody>
-            <a:bodyPr spcFirstLastPara="0" vert="horz" wrap="square" lIns="124888" tIns="124888" rIns="124888" bIns="124888" numCol="1" spcCol="1270" anchor="ctr" anchorCtr="0">
-              <a:noAutofit/>
-            </a:bodyPr>
-            <a:lstStyle/>
-            <a:p>
-              <a:pPr lvl="0" algn="ctr" defTabSz="1066800" latinLnBrk="1">
-                <a:lnSpc>
-                  <a:spcPct val="90000"/>
-                </a:lnSpc>
-                <a:spcBef>
-                  <a:spcPct val="0"/>
-                </a:spcBef>
-                <a:spcAft>
-                  <a:spcPct val="35000"/>
-                </a:spcAft>
-              </a:pPr>
-              <a:r>
-                <a:rPr lang="en-US" altLang="ko-KR" kern="1200" dirty="0" smtClean="0"/>
-                <a:t>Relay1</a:t>
-              </a:r>
-            </a:p>
-            <a:p>
-              <a:pPr lvl="0" algn="ctr" defTabSz="1066800" latinLnBrk="1">
-                <a:lnSpc>
-                  <a:spcPct val="90000"/>
-                </a:lnSpc>
-                <a:spcBef>
-                  <a:spcPct val="0"/>
-                </a:spcBef>
-                <a:spcAft>
-                  <a:spcPct val="35000"/>
-                </a:spcAft>
-              </a:pPr>
-              <a:endParaRPr lang="ko-KR" altLang="en-US" kern="1200" dirty="0"/>
-            </a:p>
-          </p:txBody>
-        </p:sp>
-      </p:grpSp>
+          <a:custGeom>
+            <a:avLst/>
+            <a:gdLst>
+              <a:gd name="connsiteX0" fmla="*/ 0 w 1903325"/>
+              <a:gd name="connsiteY0" fmla="*/ 114200 h 1141995"/>
+              <a:gd name="connsiteX1" fmla="*/ 114200 w 1903325"/>
+              <a:gd name="connsiteY1" fmla="*/ 0 h 1141995"/>
+              <a:gd name="connsiteX2" fmla="*/ 1789126 w 1903325"/>
+              <a:gd name="connsiteY2" fmla="*/ 0 h 1141995"/>
+              <a:gd name="connsiteX3" fmla="*/ 1903326 w 1903325"/>
+              <a:gd name="connsiteY3" fmla="*/ 114200 h 1141995"/>
+              <a:gd name="connsiteX4" fmla="*/ 1903325 w 1903325"/>
+              <a:gd name="connsiteY4" fmla="*/ 1027796 h 1141995"/>
+              <a:gd name="connsiteX5" fmla="*/ 1789125 w 1903325"/>
+              <a:gd name="connsiteY5" fmla="*/ 1141996 h 1141995"/>
+              <a:gd name="connsiteX6" fmla="*/ 114200 w 1903325"/>
+              <a:gd name="connsiteY6" fmla="*/ 1141995 h 1141995"/>
+              <a:gd name="connsiteX7" fmla="*/ 0 w 1903325"/>
+              <a:gd name="connsiteY7" fmla="*/ 1027795 h 1141995"/>
+              <a:gd name="connsiteX8" fmla="*/ 0 w 1903325"/>
+              <a:gd name="connsiteY8" fmla="*/ 114200 h 1141995"/>
+            </a:gdLst>
+            <a:ahLst/>
+            <a:cxnLst>
+              <a:cxn ang="0">
+                <a:pos x="connsiteX0" y="connsiteY0"/>
+              </a:cxn>
+              <a:cxn ang="0">
+                <a:pos x="connsiteX1" y="connsiteY1"/>
+              </a:cxn>
+              <a:cxn ang="0">
+                <a:pos x="connsiteX2" y="connsiteY2"/>
+              </a:cxn>
+              <a:cxn ang="0">
+                <a:pos x="connsiteX3" y="connsiteY3"/>
+              </a:cxn>
+              <a:cxn ang="0">
+                <a:pos x="connsiteX4" y="connsiteY4"/>
+              </a:cxn>
+              <a:cxn ang="0">
+                <a:pos x="connsiteX5" y="connsiteY5"/>
+              </a:cxn>
+              <a:cxn ang="0">
+                <a:pos x="connsiteX6" y="connsiteY6"/>
+              </a:cxn>
+              <a:cxn ang="0">
+                <a:pos x="connsiteX7" y="connsiteY7"/>
+              </a:cxn>
+              <a:cxn ang="0">
+                <a:pos x="connsiteX8" y="connsiteY8"/>
+              </a:cxn>
+            </a:cxnLst>
+            <a:rect l="l" t="t" r="r" b="b"/>
+            <a:pathLst>
+              <a:path w="1903325" h="1141995">
+                <a:moveTo>
+                  <a:pt x="0" y="114200"/>
+                </a:moveTo>
+                <a:cubicBezTo>
+                  <a:pt x="0" y="51129"/>
+                  <a:pt x="51129" y="0"/>
+                  <a:pt x="114200" y="0"/>
+                </a:cubicBezTo>
+                <a:lnTo>
+                  <a:pt x="1789126" y="0"/>
+                </a:lnTo>
+                <a:cubicBezTo>
+                  <a:pt x="1852197" y="0"/>
+                  <a:pt x="1903326" y="51129"/>
+                  <a:pt x="1903326" y="114200"/>
+                </a:cubicBezTo>
+                <a:cubicBezTo>
+                  <a:pt x="1903326" y="418732"/>
+                  <a:pt x="1903325" y="723264"/>
+                  <a:pt x="1903325" y="1027796"/>
+                </a:cubicBezTo>
+                <a:cubicBezTo>
+                  <a:pt x="1903325" y="1090867"/>
+                  <a:pt x="1852196" y="1141996"/>
+                  <a:pt x="1789125" y="1141996"/>
+                </a:cubicBezTo>
+                <a:lnTo>
+                  <a:pt x="114200" y="1141995"/>
+                </a:lnTo>
+                <a:cubicBezTo>
+                  <a:pt x="51129" y="1141995"/>
+                  <a:pt x="0" y="1090866"/>
+                  <a:pt x="0" y="1027795"/>
+                </a:cubicBezTo>
+                <a:lnTo>
+                  <a:pt x="0" y="114200"/>
+                </a:lnTo>
+                <a:close/>
+              </a:path>
+            </a:pathLst>
+          </a:custGeom>
+          <a:solidFill>
+            <a:schemeClr val="accent1">
+              <a:lumMod val="50000"/>
+            </a:schemeClr>
+          </a:solidFill>
+        </p:spPr>
+        <p:style>
+          <a:lnRef idx="2">
+            <a:schemeClr val="lt1">
+              <a:hueOff val="0"/>
+              <a:satOff val="0"/>
+              <a:lumOff val="0"/>
+              <a:alphaOff val="0"/>
+            </a:schemeClr>
+          </a:lnRef>
+          <a:fillRef idx="1">
+            <a:schemeClr val="accent1">
+              <a:hueOff val="0"/>
+              <a:satOff val="0"/>
+              <a:lumOff val="0"/>
+              <a:alphaOff val="0"/>
+            </a:schemeClr>
+          </a:fillRef>
+          <a:effectRef idx="0">
+            <a:schemeClr val="accent1">
+              <a:hueOff val="0"/>
+              <a:satOff val="0"/>
+              <a:lumOff val="0"/>
+              <a:alphaOff val="0"/>
+            </a:schemeClr>
+          </a:effectRef>
+          <a:fontRef idx="minor">
+            <a:schemeClr val="lt1"/>
+          </a:fontRef>
+        </p:style>
+        <p:txBody>
+          <a:bodyPr spcFirstLastPara="0" vert="horz" wrap="square" lIns="124888" tIns="124888" rIns="124888" bIns="124888" numCol="1" spcCol="1270" anchor="ctr" anchorCtr="0">
+            <a:noAutofit/>
+          </a:bodyPr>
+          <a:lstStyle/>
+          <a:p>
+            <a:pPr lvl="0" algn="ctr" defTabSz="1066800" latinLnBrk="1">
+              <a:lnSpc>
+                <a:spcPct val="90000"/>
+              </a:lnSpc>
+              <a:spcBef>
+                <a:spcPct val="0"/>
+              </a:spcBef>
+              <a:spcAft>
+                <a:spcPct val="35000"/>
+              </a:spcAft>
+            </a:pPr>
+            <a:r>
+              <a:rPr lang="en-US" altLang="ko-KR" kern="1200" dirty="0" smtClean="0"/>
+              <a:t>PT100 RTD Sensor</a:t>
+            </a:r>
+            <a:endParaRPr lang="ko-KR" altLang="en-US" kern="1200" dirty="0"/>
+          </a:p>
+        </p:txBody>
+      </p:sp>
+      <p:sp>
+        <p:nvSpPr>
+          <p:cNvPr id="10" name="자유형 9"/>
+          <p:cNvSpPr/>
+          <p:nvPr/>
+        </p:nvSpPr>
+        <p:spPr>
+          <a:xfrm>
+            <a:off x="4761160" y="1277953"/>
+            <a:ext cx="1595355" cy="941198"/>
+          </a:xfrm>
+          <a:custGeom>
+            <a:avLst/>
+            <a:gdLst>
+              <a:gd name="connsiteX0" fmla="*/ 0 w 1903325"/>
+              <a:gd name="connsiteY0" fmla="*/ 114200 h 1141995"/>
+              <a:gd name="connsiteX1" fmla="*/ 114200 w 1903325"/>
+              <a:gd name="connsiteY1" fmla="*/ 0 h 1141995"/>
+              <a:gd name="connsiteX2" fmla="*/ 1789126 w 1903325"/>
+              <a:gd name="connsiteY2" fmla="*/ 0 h 1141995"/>
+              <a:gd name="connsiteX3" fmla="*/ 1903326 w 1903325"/>
+              <a:gd name="connsiteY3" fmla="*/ 114200 h 1141995"/>
+              <a:gd name="connsiteX4" fmla="*/ 1903325 w 1903325"/>
+              <a:gd name="connsiteY4" fmla="*/ 1027796 h 1141995"/>
+              <a:gd name="connsiteX5" fmla="*/ 1789125 w 1903325"/>
+              <a:gd name="connsiteY5" fmla="*/ 1141996 h 1141995"/>
+              <a:gd name="connsiteX6" fmla="*/ 114200 w 1903325"/>
+              <a:gd name="connsiteY6" fmla="*/ 1141995 h 1141995"/>
+              <a:gd name="connsiteX7" fmla="*/ 0 w 1903325"/>
+              <a:gd name="connsiteY7" fmla="*/ 1027795 h 1141995"/>
+              <a:gd name="connsiteX8" fmla="*/ 0 w 1903325"/>
+              <a:gd name="connsiteY8" fmla="*/ 114200 h 1141995"/>
+            </a:gdLst>
+            <a:ahLst/>
+            <a:cxnLst>
+              <a:cxn ang="0">
+                <a:pos x="connsiteX0" y="connsiteY0"/>
+              </a:cxn>
+              <a:cxn ang="0">
+                <a:pos x="connsiteX1" y="connsiteY1"/>
+              </a:cxn>
+              <a:cxn ang="0">
+                <a:pos x="connsiteX2" y="connsiteY2"/>
+              </a:cxn>
+              <a:cxn ang="0">
+                <a:pos x="connsiteX3" y="connsiteY3"/>
+              </a:cxn>
+              <a:cxn ang="0">
+                <a:pos x="connsiteX4" y="connsiteY4"/>
+              </a:cxn>
+              <a:cxn ang="0">
+                <a:pos x="connsiteX5" y="connsiteY5"/>
+              </a:cxn>
+              <a:cxn ang="0">
+                <a:pos x="connsiteX6" y="connsiteY6"/>
+              </a:cxn>
+              <a:cxn ang="0">
+                <a:pos x="connsiteX7" y="connsiteY7"/>
+              </a:cxn>
+              <a:cxn ang="0">
+                <a:pos x="connsiteX8" y="connsiteY8"/>
+              </a:cxn>
+            </a:cxnLst>
+            <a:rect l="l" t="t" r="r" b="b"/>
+            <a:pathLst>
+              <a:path w="1903325" h="1141995">
+                <a:moveTo>
+                  <a:pt x="0" y="114200"/>
+                </a:moveTo>
+                <a:cubicBezTo>
+                  <a:pt x="0" y="51129"/>
+                  <a:pt x="51129" y="0"/>
+                  <a:pt x="114200" y="0"/>
+                </a:cubicBezTo>
+                <a:lnTo>
+                  <a:pt x="1789126" y="0"/>
+                </a:lnTo>
+                <a:cubicBezTo>
+                  <a:pt x="1852197" y="0"/>
+                  <a:pt x="1903326" y="51129"/>
+                  <a:pt x="1903326" y="114200"/>
+                </a:cubicBezTo>
+                <a:cubicBezTo>
+                  <a:pt x="1903326" y="418732"/>
+                  <a:pt x="1903325" y="723264"/>
+                  <a:pt x="1903325" y="1027796"/>
+                </a:cubicBezTo>
+                <a:cubicBezTo>
+                  <a:pt x="1903325" y="1090867"/>
+                  <a:pt x="1852196" y="1141996"/>
+                  <a:pt x="1789125" y="1141996"/>
+                </a:cubicBezTo>
+                <a:lnTo>
+                  <a:pt x="114200" y="1141995"/>
+                </a:lnTo>
+                <a:cubicBezTo>
+                  <a:pt x="51129" y="1141995"/>
+                  <a:pt x="0" y="1090866"/>
+                  <a:pt x="0" y="1027795"/>
+                </a:cubicBezTo>
+                <a:lnTo>
+                  <a:pt x="0" y="114200"/>
+                </a:lnTo>
+                <a:close/>
+              </a:path>
+            </a:pathLst>
+          </a:custGeom>
+          <a:solidFill>
+            <a:schemeClr val="tx1">
+              <a:lumMod val="50000"/>
+            </a:schemeClr>
+          </a:solidFill>
+        </p:spPr>
+        <p:style>
+          <a:lnRef idx="2">
+            <a:schemeClr val="lt1">
+              <a:hueOff val="0"/>
+              <a:satOff val="0"/>
+              <a:lumOff val="0"/>
+              <a:alphaOff val="0"/>
+            </a:schemeClr>
+          </a:lnRef>
+          <a:fillRef idx="1">
+            <a:schemeClr val="accent1">
+              <a:hueOff val="0"/>
+              <a:satOff val="0"/>
+              <a:lumOff val="0"/>
+              <a:alphaOff val="0"/>
+            </a:schemeClr>
+          </a:fillRef>
+          <a:effectRef idx="0">
+            <a:schemeClr val="accent1">
+              <a:hueOff val="0"/>
+              <a:satOff val="0"/>
+              <a:lumOff val="0"/>
+              <a:alphaOff val="0"/>
+            </a:schemeClr>
+          </a:effectRef>
+          <a:fontRef idx="minor">
+            <a:schemeClr val="lt1"/>
+          </a:fontRef>
+        </p:style>
+        <p:txBody>
+          <a:bodyPr spcFirstLastPara="0" vert="horz" wrap="square" lIns="124888" tIns="124888" rIns="124888" bIns="124888" numCol="1" spcCol="1270" anchor="ctr" anchorCtr="0">
+            <a:noAutofit/>
+          </a:bodyPr>
+          <a:lstStyle/>
+          <a:p>
+            <a:pPr lvl="0" algn="ctr" defTabSz="1066800" latinLnBrk="1">
+              <a:lnSpc>
+                <a:spcPct val="90000"/>
+              </a:lnSpc>
+              <a:spcBef>
+                <a:spcPct val="0"/>
+              </a:spcBef>
+              <a:spcAft>
+                <a:spcPct val="35000"/>
+              </a:spcAft>
+            </a:pPr>
+            <a:r>
+              <a:rPr lang="en-US" altLang="ko-KR" kern="1200" dirty="0" smtClean="0"/>
+              <a:t>ESP32 MCU</a:t>
+            </a:r>
+            <a:endParaRPr lang="ko-KR" altLang="en-US" kern="1200" dirty="0"/>
+          </a:p>
+        </p:txBody>
+      </p:sp>
+      <p:sp>
+        <p:nvSpPr>
+          <p:cNvPr id="14" name="자유형 13"/>
+          <p:cNvSpPr/>
+          <p:nvPr/>
+        </p:nvSpPr>
+        <p:spPr>
+          <a:xfrm>
+            <a:off x="4772867" y="3417927"/>
+            <a:ext cx="1595355" cy="941198"/>
+          </a:xfrm>
+          <a:custGeom>
+            <a:avLst/>
+            <a:gdLst>
+              <a:gd name="connsiteX0" fmla="*/ 0 w 1903325"/>
+              <a:gd name="connsiteY0" fmla="*/ 114200 h 1141995"/>
+              <a:gd name="connsiteX1" fmla="*/ 114200 w 1903325"/>
+              <a:gd name="connsiteY1" fmla="*/ 0 h 1141995"/>
+              <a:gd name="connsiteX2" fmla="*/ 1789126 w 1903325"/>
+              <a:gd name="connsiteY2" fmla="*/ 0 h 1141995"/>
+              <a:gd name="connsiteX3" fmla="*/ 1903326 w 1903325"/>
+              <a:gd name="connsiteY3" fmla="*/ 114200 h 1141995"/>
+              <a:gd name="connsiteX4" fmla="*/ 1903325 w 1903325"/>
+              <a:gd name="connsiteY4" fmla="*/ 1027796 h 1141995"/>
+              <a:gd name="connsiteX5" fmla="*/ 1789125 w 1903325"/>
+              <a:gd name="connsiteY5" fmla="*/ 1141996 h 1141995"/>
+              <a:gd name="connsiteX6" fmla="*/ 114200 w 1903325"/>
+              <a:gd name="connsiteY6" fmla="*/ 1141995 h 1141995"/>
+              <a:gd name="connsiteX7" fmla="*/ 0 w 1903325"/>
+              <a:gd name="connsiteY7" fmla="*/ 1027795 h 1141995"/>
+              <a:gd name="connsiteX8" fmla="*/ 0 w 1903325"/>
+              <a:gd name="connsiteY8" fmla="*/ 114200 h 1141995"/>
+            </a:gdLst>
+            <a:ahLst/>
+            <a:cxnLst>
+              <a:cxn ang="0">
+                <a:pos x="connsiteX0" y="connsiteY0"/>
+              </a:cxn>
+              <a:cxn ang="0">
+                <a:pos x="connsiteX1" y="connsiteY1"/>
+              </a:cxn>
+              <a:cxn ang="0">
+                <a:pos x="connsiteX2" y="connsiteY2"/>
+              </a:cxn>
+              <a:cxn ang="0">
+                <a:pos x="connsiteX3" y="connsiteY3"/>
+              </a:cxn>
+              <a:cxn ang="0">
+                <a:pos x="connsiteX4" y="connsiteY4"/>
+              </a:cxn>
+              <a:cxn ang="0">
+                <a:pos x="connsiteX5" y="connsiteY5"/>
+              </a:cxn>
+              <a:cxn ang="0">
+                <a:pos x="connsiteX6" y="connsiteY6"/>
+              </a:cxn>
+              <a:cxn ang="0">
+                <a:pos x="connsiteX7" y="connsiteY7"/>
+              </a:cxn>
+              <a:cxn ang="0">
+                <a:pos x="connsiteX8" y="connsiteY8"/>
+              </a:cxn>
+            </a:cxnLst>
+            <a:rect l="l" t="t" r="r" b="b"/>
+            <a:pathLst>
+              <a:path w="1903325" h="1141995">
+                <a:moveTo>
+                  <a:pt x="0" y="114200"/>
+                </a:moveTo>
+                <a:cubicBezTo>
+                  <a:pt x="0" y="51129"/>
+                  <a:pt x="51129" y="0"/>
+                  <a:pt x="114200" y="0"/>
+                </a:cubicBezTo>
+                <a:lnTo>
+                  <a:pt x="1789126" y="0"/>
+                </a:lnTo>
+                <a:cubicBezTo>
+                  <a:pt x="1852197" y="0"/>
+                  <a:pt x="1903326" y="51129"/>
+                  <a:pt x="1903326" y="114200"/>
+                </a:cubicBezTo>
+                <a:cubicBezTo>
+                  <a:pt x="1903326" y="418732"/>
+                  <a:pt x="1903325" y="723264"/>
+                  <a:pt x="1903325" y="1027796"/>
+                </a:cubicBezTo>
+                <a:cubicBezTo>
+                  <a:pt x="1903325" y="1090867"/>
+                  <a:pt x="1852196" y="1141996"/>
+                  <a:pt x="1789125" y="1141996"/>
+                </a:cubicBezTo>
+                <a:lnTo>
+                  <a:pt x="114200" y="1141995"/>
+                </a:lnTo>
+                <a:cubicBezTo>
+                  <a:pt x="51129" y="1141995"/>
+                  <a:pt x="0" y="1090866"/>
+                  <a:pt x="0" y="1027795"/>
+                </a:cubicBezTo>
+                <a:lnTo>
+                  <a:pt x="0" y="114200"/>
+                </a:lnTo>
+                <a:close/>
+              </a:path>
+            </a:pathLst>
+          </a:custGeom>
+        </p:spPr>
+        <p:style>
+          <a:lnRef idx="2">
+            <a:schemeClr val="lt1">
+              <a:hueOff val="0"/>
+              <a:satOff val="0"/>
+              <a:lumOff val="0"/>
+              <a:alphaOff val="0"/>
+            </a:schemeClr>
+          </a:lnRef>
+          <a:fillRef idx="1">
+            <a:schemeClr val="accent1">
+              <a:hueOff val="0"/>
+              <a:satOff val="0"/>
+              <a:lumOff val="0"/>
+              <a:alphaOff val="0"/>
+            </a:schemeClr>
+          </a:fillRef>
+          <a:effectRef idx="0">
+            <a:schemeClr val="accent1">
+              <a:hueOff val="0"/>
+              <a:satOff val="0"/>
+              <a:lumOff val="0"/>
+              <a:alphaOff val="0"/>
+            </a:schemeClr>
+          </a:effectRef>
+          <a:fontRef idx="minor">
+            <a:schemeClr val="lt1"/>
+          </a:fontRef>
+        </p:style>
+        <p:txBody>
+          <a:bodyPr spcFirstLastPara="0" vert="horz" wrap="square" lIns="124888" tIns="124888" rIns="124888" bIns="124888" numCol="1" spcCol="1270" anchor="ctr" anchorCtr="0">
+            <a:noAutofit/>
+          </a:bodyPr>
+          <a:lstStyle/>
+          <a:p>
+            <a:pPr lvl="0" algn="ctr" defTabSz="1066800" latinLnBrk="1">
+              <a:lnSpc>
+                <a:spcPct val="90000"/>
+              </a:lnSpc>
+              <a:spcBef>
+                <a:spcPct val="0"/>
+              </a:spcBef>
+              <a:spcAft>
+                <a:spcPct val="35000"/>
+              </a:spcAft>
+            </a:pPr>
+            <a:r>
+              <a:rPr lang="en-US" altLang="ko-KR" kern="1200" dirty="0" smtClean="0"/>
+              <a:t>Relay2</a:t>
+            </a:r>
+          </a:p>
+          <a:p>
+            <a:pPr lvl="0" algn="ctr" defTabSz="1066800" latinLnBrk="1">
+              <a:lnSpc>
+                <a:spcPct val="90000"/>
+              </a:lnSpc>
+              <a:spcBef>
+                <a:spcPct val="0"/>
+              </a:spcBef>
+              <a:spcAft>
+                <a:spcPct val="35000"/>
+              </a:spcAft>
+            </a:pPr>
+            <a:endParaRPr lang="ko-KR" altLang="en-US" kern="1200" dirty="0"/>
+          </a:p>
+        </p:txBody>
+      </p:sp>
+      <p:sp>
+        <p:nvSpPr>
+          <p:cNvPr id="16" name="자유형 15"/>
+          <p:cNvSpPr/>
+          <p:nvPr/>
+        </p:nvSpPr>
+        <p:spPr>
+          <a:xfrm>
+            <a:off x="4763111" y="4425986"/>
+            <a:ext cx="1595355" cy="941198"/>
+          </a:xfrm>
+          <a:custGeom>
+            <a:avLst/>
+            <a:gdLst>
+              <a:gd name="connsiteX0" fmla="*/ 0 w 1903325"/>
+              <a:gd name="connsiteY0" fmla="*/ 114200 h 1141995"/>
+              <a:gd name="connsiteX1" fmla="*/ 114200 w 1903325"/>
+              <a:gd name="connsiteY1" fmla="*/ 0 h 1141995"/>
+              <a:gd name="connsiteX2" fmla="*/ 1789126 w 1903325"/>
+              <a:gd name="connsiteY2" fmla="*/ 0 h 1141995"/>
+              <a:gd name="connsiteX3" fmla="*/ 1903326 w 1903325"/>
+              <a:gd name="connsiteY3" fmla="*/ 114200 h 1141995"/>
+              <a:gd name="connsiteX4" fmla="*/ 1903325 w 1903325"/>
+              <a:gd name="connsiteY4" fmla="*/ 1027796 h 1141995"/>
+              <a:gd name="connsiteX5" fmla="*/ 1789125 w 1903325"/>
+              <a:gd name="connsiteY5" fmla="*/ 1141996 h 1141995"/>
+              <a:gd name="connsiteX6" fmla="*/ 114200 w 1903325"/>
+              <a:gd name="connsiteY6" fmla="*/ 1141995 h 1141995"/>
+              <a:gd name="connsiteX7" fmla="*/ 0 w 1903325"/>
+              <a:gd name="connsiteY7" fmla="*/ 1027795 h 1141995"/>
+              <a:gd name="connsiteX8" fmla="*/ 0 w 1903325"/>
+              <a:gd name="connsiteY8" fmla="*/ 114200 h 1141995"/>
+            </a:gdLst>
+            <a:ahLst/>
+            <a:cxnLst>
+              <a:cxn ang="0">
+                <a:pos x="connsiteX0" y="connsiteY0"/>
+              </a:cxn>
+              <a:cxn ang="0">
+                <a:pos x="connsiteX1" y="connsiteY1"/>
+              </a:cxn>
+              <a:cxn ang="0">
+                <a:pos x="connsiteX2" y="connsiteY2"/>
+              </a:cxn>
+              <a:cxn ang="0">
+                <a:pos x="connsiteX3" y="connsiteY3"/>
+              </a:cxn>
+              <a:cxn ang="0">
+                <a:pos x="connsiteX4" y="connsiteY4"/>
+              </a:cxn>
+              <a:cxn ang="0">
+                <a:pos x="connsiteX5" y="connsiteY5"/>
+              </a:cxn>
+              <a:cxn ang="0">
+                <a:pos x="connsiteX6" y="connsiteY6"/>
+              </a:cxn>
+              <a:cxn ang="0">
+                <a:pos x="connsiteX7" y="connsiteY7"/>
+              </a:cxn>
+              <a:cxn ang="0">
+                <a:pos x="connsiteX8" y="connsiteY8"/>
+              </a:cxn>
+            </a:cxnLst>
+            <a:rect l="l" t="t" r="r" b="b"/>
+            <a:pathLst>
+              <a:path w="1903325" h="1141995">
+                <a:moveTo>
+                  <a:pt x="0" y="114200"/>
+                </a:moveTo>
+                <a:cubicBezTo>
+                  <a:pt x="0" y="51129"/>
+                  <a:pt x="51129" y="0"/>
+                  <a:pt x="114200" y="0"/>
+                </a:cubicBezTo>
+                <a:lnTo>
+                  <a:pt x="1789126" y="0"/>
+                </a:lnTo>
+                <a:cubicBezTo>
+                  <a:pt x="1852197" y="0"/>
+                  <a:pt x="1903326" y="51129"/>
+                  <a:pt x="1903326" y="114200"/>
+                </a:cubicBezTo>
+                <a:cubicBezTo>
+                  <a:pt x="1903326" y="418732"/>
+                  <a:pt x="1903325" y="723264"/>
+                  <a:pt x="1903325" y="1027796"/>
+                </a:cubicBezTo>
+                <a:cubicBezTo>
+                  <a:pt x="1903325" y="1090867"/>
+                  <a:pt x="1852196" y="1141996"/>
+                  <a:pt x="1789125" y="1141996"/>
+                </a:cubicBezTo>
+                <a:lnTo>
+                  <a:pt x="114200" y="1141995"/>
+                </a:lnTo>
+                <a:cubicBezTo>
+                  <a:pt x="51129" y="1141995"/>
+                  <a:pt x="0" y="1090866"/>
+                  <a:pt x="0" y="1027795"/>
+                </a:cubicBezTo>
+                <a:lnTo>
+                  <a:pt x="0" y="114200"/>
+                </a:lnTo>
+                <a:close/>
+              </a:path>
+            </a:pathLst>
+          </a:custGeom>
+        </p:spPr>
+        <p:style>
+          <a:lnRef idx="2">
+            <a:schemeClr val="lt1">
+              <a:hueOff val="0"/>
+              <a:satOff val="0"/>
+              <a:lumOff val="0"/>
+              <a:alphaOff val="0"/>
+            </a:schemeClr>
+          </a:lnRef>
+          <a:fillRef idx="1">
+            <a:schemeClr val="accent1">
+              <a:hueOff val="0"/>
+              <a:satOff val="0"/>
+              <a:lumOff val="0"/>
+              <a:alphaOff val="0"/>
+            </a:schemeClr>
+          </a:fillRef>
+          <a:effectRef idx="0">
+            <a:schemeClr val="accent1">
+              <a:hueOff val="0"/>
+              <a:satOff val="0"/>
+              <a:lumOff val="0"/>
+              <a:alphaOff val="0"/>
+            </a:schemeClr>
+          </a:effectRef>
+          <a:fontRef idx="minor">
+            <a:schemeClr val="lt1"/>
+          </a:fontRef>
+        </p:style>
+        <p:txBody>
+          <a:bodyPr spcFirstLastPara="0" vert="horz" wrap="square" lIns="124888" tIns="124888" rIns="124888" bIns="124888" numCol="1" spcCol="1270" anchor="ctr" anchorCtr="0">
+            <a:noAutofit/>
+          </a:bodyPr>
+          <a:lstStyle/>
+          <a:p>
+            <a:pPr lvl="0" algn="ctr" defTabSz="1066800" latinLnBrk="1">
+              <a:lnSpc>
+                <a:spcPct val="90000"/>
+              </a:lnSpc>
+              <a:spcBef>
+                <a:spcPct val="0"/>
+              </a:spcBef>
+              <a:spcAft>
+                <a:spcPct val="35000"/>
+              </a:spcAft>
+            </a:pPr>
+            <a:r>
+              <a:rPr lang="en-US" altLang="ko-KR" kern="1200" dirty="0" smtClean="0"/>
+              <a:t>Relay3</a:t>
+            </a:r>
+          </a:p>
+          <a:p>
+            <a:pPr lvl="0" algn="ctr" defTabSz="1066800" latinLnBrk="1">
+              <a:lnSpc>
+                <a:spcPct val="90000"/>
+              </a:lnSpc>
+              <a:spcBef>
+                <a:spcPct val="0"/>
+              </a:spcBef>
+              <a:spcAft>
+                <a:spcPct val="35000"/>
+              </a:spcAft>
+            </a:pPr>
+            <a:endParaRPr lang="ko-KR" altLang="en-US" kern="1200" dirty="0"/>
+          </a:p>
+        </p:txBody>
+      </p:sp>
+      <p:sp>
+        <p:nvSpPr>
+          <p:cNvPr id="18" name="자유형 17"/>
+          <p:cNvSpPr/>
+          <p:nvPr/>
+        </p:nvSpPr>
+        <p:spPr>
+          <a:xfrm>
+            <a:off x="9198202" y="2415816"/>
+            <a:ext cx="1595355" cy="941198"/>
+          </a:xfrm>
+          <a:custGeom>
+            <a:avLst/>
+            <a:gdLst>
+              <a:gd name="connsiteX0" fmla="*/ 0 w 1903325"/>
+              <a:gd name="connsiteY0" fmla="*/ 114200 h 1141995"/>
+              <a:gd name="connsiteX1" fmla="*/ 114200 w 1903325"/>
+              <a:gd name="connsiteY1" fmla="*/ 0 h 1141995"/>
+              <a:gd name="connsiteX2" fmla="*/ 1789126 w 1903325"/>
+              <a:gd name="connsiteY2" fmla="*/ 0 h 1141995"/>
+              <a:gd name="connsiteX3" fmla="*/ 1903326 w 1903325"/>
+              <a:gd name="connsiteY3" fmla="*/ 114200 h 1141995"/>
+              <a:gd name="connsiteX4" fmla="*/ 1903325 w 1903325"/>
+              <a:gd name="connsiteY4" fmla="*/ 1027796 h 1141995"/>
+              <a:gd name="connsiteX5" fmla="*/ 1789125 w 1903325"/>
+              <a:gd name="connsiteY5" fmla="*/ 1141996 h 1141995"/>
+              <a:gd name="connsiteX6" fmla="*/ 114200 w 1903325"/>
+              <a:gd name="connsiteY6" fmla="*/ 1141995 h 1141995"/>
+              <a:gd name="connsiteX7" fmla="*/ 0 w 1903325"/>
+              <a:gd name="connsiteY7" fmla="*/ 1027795 h 1141995"/>
+              <a:gd name="connsiteX8" fmla="*/ 0 w 1903325"/>
+              <a:gd name="connsiteY8" fmla="*/ 114200 h 1141995"/>
+            </a:gdLst>
+            <a:ahLst/>
+            <a:cxnLst>
+              <a:cxn ang="0">
+                <a:pos x="connsiteX0" y="connsiteY0"/>
+              </a:cxn>
+              <a:cxn ang="0">
+                <a:pos x="connsiteX1" y="connsiteY1"/>
+              </a:cxn>
+              <a:cxn ang="0">
+                <a:pos x="connsiteX2" y="connsiteY2"/>
+              </a:cxn>
+              <a:cxn ang="0">
+                <a:pos x="connsiteX3" y="connsiteY3"/>
+              </a:cxn>
+              <a:cxn ang="0">
+                <a:pos x="connsiteX4" y="connsiteY4"/>
+              </a:cxn>
+              <a:cxn ang="0">
+                <a:pos x="connsiteX5" y="connsiteY5"/>
+              </a:cxn>
+              <a:cxn ang="0">
+                <a:pos x="connsiteX6" y="connsiteY6"/>
+              </a:cxn>
+              <a:cxn ang="0">
+                <a:pos x="connsiteX7" y="connsiteY7"/>
+              </a:cxn>
+              <a:cxn ang="0">
+                <a:pos x="connsiteX8" y="connsiteY8"/>
+              </a:cxn>
+            </a:cxnLst>
+            <a:rect l="l" t="t" r="r" b="b"/>
+            <a:pathLst>
+              <a:path w="1903325" h="1141995">
+                <a:moveTo>
+                  <a:pt x="0" y="114200"/>
+                </a:moveTo>
+                <a:cubicBezTo>
+                  <a:pt x="0" y="51129"/>
+                  <a:pt x="51129" y="0"/>
+                  <a:pt x="114200" y="0"/>
+                </a:cubicBezTo>
+                <a:lnTo>
+                  <a:pt x="1789126" y="0"/>
+                </a:lnTo>
+                <a:cubicBezTo>
+                  <a:pt x="1852197" y="0"/>
+                  <a:pt x="1903326" y="51129"/>
+                  <a:pt x="1903326" y="114200"/>
+                </a:cubicBezTo>
+                <a:cubicBezTo>
+                  <a:pt x="1903326" y="418732"/>
+                  <a:pt x="1903325" y="723264"/>
+                  <a:pt x="1903325" y="1027796"/>
+                </a:cubicBezTo>
+                <a:cubicBezTo>
+                  <a:pt x="1903325" y="1090867"/>
+                  <a:pt x="1852196" y="1141996"/>
+                  <a:pt x="1789125" y="1141996"/>
+                </a:cubicBezTo>
+                <a:lnTo>
+                  <a:pt x="114200" y="1141995"/>
+                </a:lnTo>
+                <a:cubicBezTo>
+                  <a:pt x="51129" y="1141995"/>
+                  <a:pt x="0" y="1090866"/>
+                  <a:pt x="0" y="1027795"/>
+                </a:cubicBezTo>
+                <a:lnTo>
+                  <a:pt x="0" y="114200"/>
+                </a:lnTo>
+                <a:close/>
+              </a:path>
+            </a:pathLst>
+          </a:custGeom>
+          <a:solidFill>
+            <a:schemeClr val="tx2">
+              <a:lumMod val="50000"/>
+            </a:schemeClr>
+          </a:solidFill>
+        </p:spPr>
+        <p:style>
+          <a:lnRef idx="2">
+            <a:schemeClr val="lt1">
+              <a:hueOff val="0"/>
+              <a:satOff val="0"/>
+              <a:lumOff val="0"/>
+              <a:alphaOff val="0"/>
+            </a:schemeClr>
+          </a:lnRef>
+          <a:fillRef idx="1">
+            <a:schemeClr val="accent1">
+              <a:hueOff val="0"/>
+              <a:satOff val="0"/>
+              <a:lumOff val="0"/>
+              <a:alphaOff val="0"/>
+            </a:schemeClr>
+          </a:fillRef>
+          <a:effectRef idx="0">
+            <a:schemeClr val="accent1">
+              <a:hueOff val="0"/>
+              <a:satOff val="0"/>
+              <a:lumOff val="0"/>
+              <a:alphaOff val="0"/>
+            </a:schemeClr>
+          </a:effectRef>
+          <a:fontRef idx="minor">
+            <a:schemeClr val="lt1"/>
+          </a:fontRef>
+        </p:style>
+        <p:txBody>
+          <a:bodyPr spcFirstLastPara="0" vert="horz" wrap="square" lIns="124888" tIns="124888" rIns="124888" bIns="124888" numCol="1" spcCol="1270" anchor="ctr" anchorCtr="0">
+            <a:noAutofit/>
+          </a:bodyPr>
+          <a:lstStyle/>
+          <a:p>
+            <a:pPr lvl="0" algn="ctr" defTabSz="1066800" latinLnBrk="1">
+              <a:lnSpc>
+                <a:spcPct val="90000"/>
+              </a:lnSpc>
+              <a:spcBef>
+                <a:spcPct val="0"/>
+              </a:spcBef>
+              <a:spcAft>
+                <a:spcPct val="35000"/>
+              </a:spcAft>
+            </a:pPr>
+            <a:r>
+              <a:rPr lang="en-US" altLang="ko-KR" kern="1200" dirty="0" smtClean="0"/>
+              <a:t>DSFOX</a:t>
+            </a:r>
+            <a:endParaRPr lang="ko-KR" altLang="en-US" kern="1200" dirty="0"/>
+          </a:p>
+        </p:txBody>
+      </p:sp>
+      <p:sp>
+        <p:nvSpPr>
+          <p:cNvPr id="20" name="자유형 19"/>
+          <p:cNvSpPr/>
+          <p:nvPr/>
+        </p:nvSpPr>
+        <p:spPr>
+          <a:xfrm>
+            <a:off x="7130007" y="4432688"/>
+            <a:ext cx="1595355" cy="941198"/>
+          </a:xfrm>
+          <a:custGeom>
+            <a:avLst/>
+            <a:gdLst>
+              <a:gd name="connsiteX0" fmla="*/ 0 w 1903325"/>
+              <a:gd name="connsiteY0" fmla="*/ 114200 h 1141995"/>
+              <a:gd name="connsiteX1" fmla="*/ 114200 w 1903325"/>
+              <a:gd name="connsiteY1" fmla="*/ 0 h 1141995"/>
+              <a:gd name="connsiteX2" fmla="*/ 1789126 w 1903325"/>
+              <a:gd name="connsiteY2" fmla="*/ 0 h 1141995"/>
+              <a:gd name="connsiteX3" fmla="*/ 1903326 w 1903325"/>
+              <a:gd name="connsiteY3" fmla="*/ 114200 h 1141995"/>
+              <a:gd name="connsiteX4" fmla="*/ 1903325 w 1903325"/>
+              <a:gd name="connsiteY4" fmla="*/ 1027796 h 1141995"/>
+              <a:gd name="connsiteX5" fmla="*/ 1789125 w 1903325"/>
+              <a:gd name="connsiteY5" fmla="*/ 1141996 h 1141995"/>
+              <a:gd name="connsiteX6" fmla="*/ 114200 w 1903325"/>
+              <a:gd name="connsiteY6" fmla="*/ 1141995 h 1141995"/>
+              <a:gd name="connsiteX7" fmla="*/ 0 w 1903325"/>
+              <a:gd name="connsiteY7" fmla="*/ 1027795 h 1141995"/>
+              <a:gd name="connsiteX8" fmla="*/ 0 w 1903325"/>
+              <a:gd name="connsiteY8" fmla="*/ 114200 h 1141995"/>
+            </a:gdLst>
+            <a:ahLst/>
+            <a:cxnLst>
+              <a:cxn ang="0">
+                <a:pos x="connsiteX0" y="connsiteY0"/>
+              </a:cxn>
+              <a:cxn ang="0">
+                <a:pos x="connsiteX1" y="connsiteY1"/>
+              </a:cxn>
+              <a:cxn ang="0">
+                <a:pos x="connsiteX2" y="connsiteY2"/>
+              </a:cxn>
+              <a:cxn ang="0">
+                <a:pos x="connsiteX3" y="connsiteY3"/>
+              </a:cxn>
+              <a:cxn ang="0">
+                <a:pos x="connsiteX4" y="connsiteY4"/>
+              </a:cxn>
+              <a:cxn ang="0">
+                <a:pos x="connsiteX5" y="connsiteY5"/>
+              </a:cxn>
+              <a:cxn ang="0">
+                <a:pos x="connsiteX6" y="connsiteY6"/>
+              </a:cxn>
+              <a:cxn ang="0">
+                <a:pos x="connsiteX7" y="connsiteY7"/>
+              </a:cxn>
+              <a:cxn ang="0">
+                <a:pos x="connsiteX8" y="connsiteY8"/>
+              </a:cxn>
+            </a:cxnLst>
+            <a:rect l="l" t="t" r="r" b="b"/>
+            <a:pathLst>
+              <a:path w="1903325" h="1141995">
+                <a:moveTo>
+                  <a:pt x="0" y="114200"/>
+                </a:moveTo>
+                <a:cubicBezTo>
+                  <a:pt x="0" y="51129"/>
+                  <a:pt x="51129" y="0"/>
+                  <a:pt x="114200" y="0"/>
+                </a:cubicBezTo>
+                <a:lnTo>
+                  <a:pt x="1789126" y="0"/>
+                </a:lnTo>
+                <a:cubicBezTo>
+                  <a:pt x="1852197" y="0"/>
+                  <a:pt x="1903326" y="51129"/>
+                  <a:pt x="1903326" y="114200"/>
+                </a:cubicBezTo>
+                <a:cubicBezTo>
+                  <a:pt x="1903326" y="418732"/>
+                  <a:pt x="1903325" y="723264"/>
+                  <a:pt x="1903325" y="1027796"/>
+                </a:cubicBezTo>
+                <a:cubicBezTo>
+                  <a:pt x="1903325" y="1090867"/>
+                  <a:pt x="1852196" y="1141996"/>
+                  <a:pt x="1789125" y="1141996"/>
+                </a:cubicBezTo>
+                <a:lnTo>
+                  <a:pt x="114200" y="1141995"/>
+                </a:lnTo>
+                <a:cubicBezTo>
+                  <a:pt x="51129" y="1141995"/>
+                  <a:pt x="0" y="1090866"/>
+                  <a:pt x="0" y="1027795"/>
+                </a:cubicBezTo>
+                <a:lnTo>
+                  <a:pt x="0" y="114200"/>
+                </a:lnTo>
+                <a:close/>
+              </a:path>
+            </a:pathLst>
+          </a:custGeom>
+          <a:solidFill>
+            <a:schemeClr val="bg2">
+              <a:lumMod val="60000"/>
+              <a:lumOff val="40000"/>
+            </a:schemeClr>
+          </a:solidFill>
+        </p:spPr>
+        <p:style>
+          <a:lnRef idx="2">
+            <a:schemeClr val="lt1">
+              <a:hueOff val="0"/>
+              <a:satOff val="0"/>
+              <a:lumOff val="0"/>
+              <a:alphaOff val="0"/>
+            </a:schemeClr>
+          </a:lnRef>
+          <a:fillRef idx="1">
+            <a:schemeClr val="accent1">
+              <a:hueOff val="0"/>
+              <a:satOff val="0"/>
+              <a:lumOff val="0"/>
+              <a:alphaOff val="0"/>
+            </a:schemeClr>
+          </a:fillRef>
+          <a:effectRef idx="0">
+            <a:schemeClr val="accent1">
+              <a:hueOff val="0"/>
+              <a:satOff val="0"/>
+              <a:lumOff val="0"/>
+              <a:alphaOff val="0"/>
+            </a:schemeClr>
+          </a:effectRef>
+          <a:fontRef idx="minor">
+            <a:schemeClr val="lt1"/>
+          </a:fontRef>
+        </p:style>
+        <p:txBody>
+          <a:bodyPr spcFirstLastPara="0" vert="horz" wrap="square" lIns="124888" tIns="124888" rIns="124888" bIns="124888" numCol="1" spcCol="1270" anchor="ctr" anchorCtr="0">
+            <a:noAutofit/>
+          </a:bodyPr>
+          <a:lstStyle/>
+          <a:p>
+            <a:pPr lvl="0" algn="ctr" defTabSz="1066800" latinLnBrk="1">
+              <a:lnSpc>
+                <a:spcPct val="90000"/>
+              </a:lnSpc>
+              <a:spcBef>
+                <a:spcPct val="0"/>
+              </a:spcBef>
+              <a:spcAft>
+                <a:spcPct val="35000"/>
+              </a:spcAft>
+            </a:pPr>
+            <a:r>
+              <a:rPr lang="en-US" altLang="ko-KR" kern="1200" dirty="0" smtClean="0"/>
+              <a:t>MAX31865</a:t>
+            </a:r>
+            <a:endParaRPr lang="ko-KR" altLang="en-US" kern="1200" dirty="0"/>
+          </a:p>
+        </p:txBody>
+      </p:sp>
+      <p:sp>
+        <p:nvSpPr>
+          <p:cNvPr id="12" name="자유형 11"/>
+          <p:cNvSpPr/>
+          <p:nvPr/>
+        </p:nvSpPr>
+        <p:spPr>
+          <a:xfrm>
+            <a:off x="4766345" y="2415816"/>
+            <a:ext cx="1595355" cy="941198"/>
+          </a:xfrm>
+          <a:custGeom>
+            <a:avLst/>
+            <a:gdLst>
+              <a:gd name="connsiteX0" fmla="*/ 0 w 1903325"/>
+              <a:gd name="connsiteY0" fmla="*/ 114200 h 1141995"/>
+              <a:gd name="connsiteX1" fmla="*/ 114200 w 1903325"/>
+              <a:gd name="connsiteY1" fmla="*/ 0 h 1141995"/>
+              <a:gd name="connsiteX2" fmla="*/ 1789126 w 1903325"/>
+              <a:gd name="connsiteY2" fmla="*/ 0 h 1141995"/>
+              <a:gd name="connsiteX3" fmla="*/ 1903326 w 1903325"/>
+              <a:gd name="connsiteY3" fmla="*/ 114200 h 1141995"/>
+              <a:gd name="connsiteX4" fmla="*/ 1903325 w 1903325"/>
+              <a:gd name="connsiteY4" fmla="*/ 1027796 h 1141995"/>
+              <a:gd name="connsiteX5" fmla="*/ 1789125 w 1903325"/>
+              <a:gd name="connsiteY5" fmla="*/ 1141996 h 1141995"/>
+              <a:gd name="connsiteX6" fmla="*/ 114200 w 1903325"/>
+              <a:gd name="connsiteY6" fmla="*/ 1141995 h 1141995"/>
+              <a:gd name="connsiteX7" fmla="*/ 0 w 1903325"/>
+              <a:gd name="connsiteY7" fmla="*/ 1027795 h 1141995"/>
+              <a:gd name="connsiteX8" fmla="*/ 0 w 1903325"/>
+              <a:gd name="connsiteY8" fmla="*/ 114200 h 1141995"/>
+            </a:gdLst>
+            <a:ahLst/>
+            <a:cxnLst>
+              <a:cxn ang="0">
+                <a:pos x="connsiteX0" y="connsiteY0"/>
+              </a:cxn>
+              <a:cxn ang="0">
+                <a:pos x="connsiteX1" y="connsiteY1"/>
+              </a:cxn>
+              <a:cxn ang="0">
+                <a:pos x="connsiteX2" y="connsiteY2"/>
+              </a:cxn>
+              <a:cxn ang="0">
+                <a:pos x="connsiteX3" y="connsiteY3"/>
+              </a:cxn>
+              <a:cxn ang="0">
+                <a:pos x="connsiteX4" y="connsiteY4"/>
+              </a:cxn>
+              <a:cxn ang="0">
+                <a:pos x="connsiteX5" y="connsiteY5"/>
+              </a:cxn>
+              <a:cxn ang="0">
+                <a:pos x="connsiteX6" y="connsiteY6"/>
+              </a:cxn>
+              <a:cxn ang="0">
+                <a:pos x="connsiteX7" y="connsiteY7"/>
+              </a:cxn>
+              <a:cxn ang="0">
+                <a:pos x="connsiteX8" y="connsiteY8"/>
+              </a:cxn>
+            </a:cxnLst>
+            <a:rect l="l" t="t" r="r" b="b"/>
+            <a:pathLst>
+              <a:path w="1903325" h="1141995">
+                <a:moveTo>
+                  <a:pt x="0" y="114200"/>
+                </a:moveTo>
+                <a:cubicBezTo>
+                  <a:pt x="0" y="51129"/>
+                  <a:pt x="51129" y="0"/>
+                  <a:pt x="114200" y="0"/>
+                </a:cubicBezTo>
+                <a:lnTo>
+                  <a:pt x="1789126" y="0"/>
+                </a:lnTo>
+                <a:cubicBezTo>
+                  <a:pt x="1852197" y="0"/>
+                  <a:pt x="1903326" y="51129"/>
+                  <a:pt x="1903326" y="114200"/>
+                </a:cubicBezTo>
+                <a:cubicBezTo>
+                  <a:pt x="1903326" y="418732"/>
+                  <a:pt x="1903325" y="723264"/>
+                  <a:pt x="1903325" y="1027796"/>
+                </a:cubicBezTo>
+                <a:cubicBezTo>
+                  <a:pt x="1903325" y="1090867"/>
+                  <a:pt x="1852196" y="1141996"/>
+                  <a:pt x="1789125" y="1141996"/>
+                </a:cubicBezTo>
+                <a:lnTo>
+                  <a:pt x="114200" y="1141995"/>
+                </a:lnTo>
+                <a:cubicBezTo>
+                  <a:pt x="51129" y="1141995"/>
+                  <a:pt x="0" y="1090866"/>
+                  <a:pt x="0" y="1027795"/>
+                </a:cubicBezTo>
+                <a:lnTo>
+                  <a:pt x="0" y="114200"/>
+                </a:lnTo>
+                <a:close/>
+              </a:path>
+            </a:pathLst>
+          </a:custGeom>
+        </p:spPr>
+        <p:style>
+          <a:lnRef idx="2">
+            <a:schemeClr val="lt1">
+              <a:hueOff val="0"/>
+              <a:satOff val="0"/>
+              <a:lumOff val="0"/>
+              <a:alphaOff val="0"/>
+            </a:schemeClr>
+          </a:lnRef>
+          <a:fillRef idx="1">
+            <a:schemeClr val="accent1">
+              <a:hueOff val="0"/>
+              <a:satOff val="0"/>
+              <a:lumOff val="0"/>
+              <a:alphaOff val="0"/>
+            </a:schemeClr>
+          </a:fillRef>
+          <a:effectRef idx="0">
+            <a:schemeClr val="accent1">
+              <a:hueOff val="0"/>
+              <a:satOff val="0"/>
+              <a:lumOff val="0"/>
+              <a:alphaOff val="0"/>
+            </a:schemeClr>
+          </a:effectRef>
+          <a:fontRef idx="minor">
+            <a:schemeClr val="lt1"/>
+          </a:fontRef>
+        </p:style>
+        <p:txBody>
+          <a:bodyPr spcFirstLastPara="0" vert="horz" wrap="square" lIns="124888" tIns="124888" rIns="124888" bIns="124888" numCol="1" spcCol="1270" anchor="ctr" anchorCtr="0">
+            <a:noAutofit/>
+          </a:bodyPr>
+          <a:lstStyle/>
+          <a:p>
+            <a:pPr lvl="0" algn="ctr" defTabSz="1066800" latinLnBrk="1">
+              <a:lnSpc>
+                <a:spcPct val="90000"/>
+              </a:lnSpc>
+              <a:spcBef>
+                <a:spcPct val="0"/>
+              </a:spcBef>
+              <a:spcAft>
+                <a:spcPct val="35000"/>
+              </a:spcAft>
+            </a:pPr>
+            <a:r>
+              <a:rPr lang="en-US" altLang="ko-KR" kern="1200" dirty="0" smtClean="0"/>
+              <a:t>Relay1</a:t>
+            </a:r>
+          </a:p>
+          <a:p>
+            <a:pPr lvl="0" algn="ctr" defTabSz="1066800" latinLnBrk="1">
+              <a:lnSpc>
+                <a:spcPct val="90000"/>
+              </a:lnSpc>
+              <a:spcBef>
+                <a:spcPct val="0"/>
+              </a:spcBef>
+              <a:spcAft>
+                <a:spcPct val="35000"/>
+              </a:spcAft>
+            </a:pPr>
+            <a:endParaRPr lang="ko-KR" altLang="en-US" kern="1200" dirty="0"/>
+          </a:p>
+        </p:txBody>
+      </p:sp>
       <p:cxnSp>
         <p:nvCxnSpPr>
           <p:cNvPr id="22" name="직선 화살표 연결선 21"/>
@@ -16202,9 +16368,9 @@
           <p:nvPr/>
         </p:nvCxnSpPr>
         <p:spPr>
-          <a:xfrm>
-            <a:off x="3306775" y="2920178"/>
-            <a:ext cx="1458287" cy="0"/>
+          <a:xfrm flipV="1">
+            <a:off x="2349665" y="2920178"/>
+            <a:ext cx="2415397" cy="23456"/>
           </a:xfrm>
           <a:prstGeom prst="straightConnector1">
             <a:avLst/>
@@ -16236,8 +16402,8 @@
         </p:nvCxnSpPr>
         <p:spPr>
           <a:xfrm>
-            <a:off x="3306775" y="2920178"/>
-            <a:ext cx="1458287" cy="1354009"/>
+            <a:off x="2349665" y="2957035"/>
+            <a:ext cx="2449338" cy="1014737"/>
           </a:xfrm>
           <a:prstGeom prst="straightConnector1">
             <a:avLst/>
@@ -16272,8 +16438,8 @@
         </p:nvCxnSpPr>
         <p:spPr>
           <a:xfrm>
-            <a:off x="3306775" y="2920177"/>
-            <a:ext cx="1458287" cy="2784337"/>
+            <a:off x="2350948" y="2943634"/>
+            <a:ext cx="2413999" cy="2014260"/>
           </a:xfrm>
           <a:prstGeom prst="straightConnector1">
             <a:avLst/>
@@ -16308,7 +16474,7 @@
         </p:nvSpPr>
         <p:spPr>
           <a:xfrm>
-            <a:off x="3864236" y="2627585"/>
+            <a:off x="3507158" y="2622693"/>
             <a:ext cx="343364" cy="369332"/>
           </a:xfrm>
           <a:prstGeom prst="rect">
@@ -16338,7 +16504,7 @@
         </p:nvSpPr>
         <p:spPr>
           <a:xfrm>
-            <a:off x="3876755" y="3271033"/>
+            <a:off x="3532806" y="3212310"/>
             <a:ext cx="317716" cy="369332"/>
           </a:xfrm>
           <a:prstGeom prst="rect">
@@ -16368,7 +16534,7 @@
         </p:nvSpPr>
         <p:spPr>
           <a:xfrm>
-            <a:off x="3877061" y="3907788"/>
+            <a:off x="3541201" y="3752116"/>
             <a:ext cx="317716" cy="369332"/>
           </a:xfrm>
           <a:prstGeom prst="rect">
@@ -16399,7 +16565,7 @@
         <p:spPr>
           <a:xfrm>
             <a:off x="6360417" y="2718841"/>
-            <a:ext cx="1458287" cy="0"/>
+            <a:ext cx="2837785" cy="1"/>
           </a:xfrm>
           <a:prstGeom prst="straightConnector1">
             <a:avLst/>
@@ -16431,8 +16597,8 @@
         </p:nvCxnSpPr>
         <p:spPr>
           <a:xfrm flipV="1">
-            <a:off x="6356515" y="2920177"/>
-            <a:ext cx="1462189" cy="1128526"/>
+            <a:off x="6356515" y="2876855"/>
+            <a:ext cx="2838453" cy="887063"/>
           </a:xfrm>
           <a:prstGeom prst="straightConnector1">
             <a:avLst/>
@@ -16467,8 +16633,8 @@
         </p:nvCxnSpPr>
         <p:spPr>
           <a:xfrm flipV="1">
-            <a:off x="6348710" y="2920178"/>
-            <a:ext cx="1469994" cy="2556147"/>
+            <a:off x="6333714" y="2993739"/>
+            <a:ext cx="2871010" cy="1774066"/>
           </a:xfrm>
           <a:prstGeom prst="straightConnector1">
             <a:avLst/>
@@ -16504,7 +16670,7 @@
         <p:spPr>
           <a:xfrm>
             <a:off x="6360417" y="3131653"/>
-            <a:ext cx="1458287" cy="2496543"/>
+            <a:ext cx="746122" cy="1642854"/>
           </a:xfrm>
           <a:prstGeom prst="straightConnector1">
             <a:avLst/>
@@ -16535,9 +16701,9 @@
           <p:nvPr/>
         </p:nvCxnSpPr>
         <p:spPr>
-          <a:xfrm>
-            <a:off x="6356515" y="4461512"/>
-            <a:ext cx="1462189" cy="1209446"/>
+          <a:xfrm flipV="1">
+            <a:off x="6339568" y="4947817"/>
+            <a:ext cx="805965" cy="202811"/>
           </a:xfrm>
           <a:prstGeom prst="straightConnector1">
             <a:avLst/>
@@ -16688,9 +16854,9 @@
           <p:nvPr/>
         </p:nvCxnSpPr>
         <p:spPr>
-          <a:xfrm flipV="1">
-            <a:off x="6368222" y="5884057"/>
-            <a:ext cx="1450482" cy="1085"/>
+          <a:xfrm>
+            <a:off x="6372124" y="4151275"/>
+            <a:ext cx="753312" cy="752012"/>
           </a:xfrm>
           <a:prstGeom prst="straightConnector1">
             <a:avLst/>
@@ -16725,7 +16891,7 @@
         </p:nvCxnSpPr>
         <p:spPr>
           <a:xfrm>
-            <a:off x="4772867" y="4260784"/>
+            <a:off x="4765061" y="3957726"/>
             <a:ext cx="797677" cy="13403"/>
           </a:xfrm>
           <a:prstGeom prst="line">
@@ -16764,7 +16930,7 @@
         </p:nvCxnSpPr>
         <p:spPr>
           <a:xfrm flipV="1">
-            <a:off x="5570544" y="4059449"/>
+            <a:off x="5537886" y="3757357"/>
             <a:ext cx="797678" cy="208036"/>
           </a:xfrm>
           <a:prstGeom prst="line">
@@ -16803,7 +16969,7 @@
         </p:nvCxnSpPr>
         <p:spPr>
           <a:xfrm>
-            <a:off x="5570544" y="4274187"/>
+            <a:off x="5576500" y="3963848"/>
             <a:ext cx="797678" cy="194079"/>
           </a:xfrm>
           <a:prstGeom prst="line">
@@ -16842,7 +17008,7 @@
         </p:nvCxnSpPr>
         <p:spPr>
           <a:xfrm>
-            <a:off x="4767013" y="5677660"/>
+            <a:off x="4767013" y="4947817"/>
             <a:ext cx="797677" cy="13403"/>
           </a:xfrm>
           <a:prstGeom prst="line">
@@ -16881,7 +17047,7 @@
         </p:nvCxnSpPr>
         <p:spPr>
           <a:xfrm flipV="1">
-            <a:off x="5564690" y="5476325"/>
+            <a:off x="5564690" y="4746482"/>
             <a:ext cx="797678" cy="208036"/>
           </a:xfrm>
           <a:prstGeom prst="line">
@@ -16920,7 +17086,7 @@
         </p:nvCxnSpPr>
         <p:spPr>
           <a:xfrm>
-            <a:off x="5564690" y="5691063"/>
+            <a:off x="5564690" y="4961220"/>
             <a:ext cx="797678" cy="194079"/>
           </a:xfrm>
           <a:prstGeom prst="line">
@@ -16951,123 +17117,6 @@
           </a:fontRef>
         </p:style>
       </p:cxnSp>
-      <p:cxnSp>
-        <p:nvCxnSpPr>
-          <p:cNvPr id="75" name="직선 연결선 74"/>
-          <p:cNvCxnSpPr/>
-          <p:nvPr/>
-        </p:nvCxnSpPr>
-        <p:spPr>
-          <a:xfrm flipV="1">
-            <a:off x="3314580" y="2940282"/>
-            <a:ext cx="2257915" cy="2048292"/>
-          </a:xfrm>
-          <a:prstGeom prst="line">
-            <a:avLst/>
-          </a:prstGeom>
-          <a:ln w="9525" cap="flat" cmpd="sng" algn="ctr">
-            <a:solidFill>
-              <a:schemeClr val="dk1"/>
-            </a:solidFill>
-            <a:prstDash val="dash"/>
-            <a:round/>
-            <a:headEnd type="none" w="med" len="med"/>
-            <a:tailEnd type="stealth" w="med" len="med"/>
-          </a:ln>
-        </p:spPr>
-        <p:style>
-          <a:lnRef idx="0">
-            <a:scrgbClr r="0" g="0" b="0"/>
-          </a:lnRef>
-          <a:fillRef idx="0">
-            <a:scrgbClr r="0" g="0" b="0"/>
-          </a:fillRef>
-          <a:effectRef idx="0">
-            <a:scrgbClr r="0" g="0" b="0"/>
-          </a:effectRef>
-          <a:fontRef idx="minor">
-            <a:schemeClr val="tx1"/>
-          </a:fontRef>
-        </p:style>
-      </p:cxnSp>
-      <p:cxnSp>
-        <p:nvCxnSpPr>
-          <p:cNvPr id="77" name="직선 연결선 76"/>
-          <p:cNvCxnSpPr/>
-          <p:nvPr/>
-        </p:nvCxnSpPr>
-        <p:spPr>
-          <a:xfrm flipV="1">
-            <a:off x="3314580" y="4267486"/>
-            <a:ext cx="2255964" cy="724021"/>
-          </a:xfrm>
-          <a:prstGeom prst="line">
-            <a:avLst/>
-          </a:prstGeom>
-          <a:ln w="9525" cap="flat" cmpd="sng" algn="ctr">
-            <a:solidFill>
-              <a:schemeClr val="dk1"/>
-            </a:solidFill>
-            <a:prstDash val="dash"/>
-            <a:round/>
-            <a:headEnd type="none" w="med" len="med"/>
-            <a:tailEnd type="stealth" w="med" len="med"/>
-          </a:ln>
-        </p:spPr>
-        <p:style>
-          <a:lnRef idx="0">
-            <a:scrgbClr r="0" g="0" b="0"/>
-          </a:lnRef>
-          <a:fillRef idx="0">
-            <a:scrgbClr r="0" g="0" b="0"/>
-          </a:fillRef>
-          <a:effectRef idx="0">
-            <a:scrgbClr r="0" g="0" b="0"/>
-          </a:effectRef>
-          <a:fontRef idx="minor">
-            <a:schemeClr val="tx1"/>
-          </a:fontRef>
-        </p:style>
-      </p:cxnSp>
-      <p:cxnSp>
-        <p:nvCxnSpPr>
-          <p:cNvPr id="80" name="직선 연결선 79"/>
-          <p:cNvCxnSpPr/>
-          <p:nvPr/>
-        </p:nvCxnSpPr>
-        <p:spPr>
-          <a:xfrm>
-            <a:off x="3306775" y="4991507"/>
-            <a:ext cx="2263769" cy="713007"/>
-          </a:xfrm>
-          <a:prstGeom prst="line">
-            <a:avLst/>
-          </a:prstGeom>
-          <a:ln w="9525" cap="flat" cmpd="sng" algn="ctr">
-            <a:solidFill>
-              <a:schemeClr val="dk1"/>
-            </a:solidFill>
-            <a:prstDash val="dash"/>
-            <a:round/>
-            <a:headEnd type="none" w="med" len="med"/>
-            <a:tailEnd type="stealth" w="med" len="med"/>
-          </a:ln>
-        </p:spPr>
-        <p:style>
-          <a:lnRef idx="0">
-            <a:scrgbClr r="0" g="0" b="0"/>
-          </a:lnRef>
-          <a:fillRef idx="0">
-            <a:scrgbClr r="0" g="0" b="0"/>
-          </a:fillRef>
-          <a:effectRef idx="0">
-            <a:scrgbClr r="0" g="0" b="0"/>
-          </a:effectRef>
-          <a:fontRef idx="minor">
-            <a:schemeClr val="tx1"/>
-          </a:fontRef>
-        </p:style>
-      </p:cxnSp>
       <p:sp>
         <p:nvSpPr>
           <p:cNvPr id="89" name="TextBox 88"/>
@@ -17076,8 +17125,8 @@
         </p:nvSpPr>
         <p:spPr>
           <a:xfrm>
-            <a:off x="3035888" y="4848213"/>
-            <a:ext cx="1317990" cy="276999"/>
+            <a:off x="5037597" y="1866871"/>
+            <a:ext cx="1096903" cy="276999"/>
           </a:xfrm>
           <a:prstGeom prst="rect">
             <a:avLst/>
@@ -17091,23 +17140,241 @@
           <a:lstStyle/>
           <a:p>
             <a:r>
-              <a:rPr lang="en-US" altLang="ko-KR" sz="1200" dirty="0" smtClean="0"/>
+              <a:rPr lang="en-US" altLang="ko-KR" sz="1200" dirty="0" smtClean="0">
+                <a:solidFill>
+                  <a:schemeClr val="bg1"/>
+                </a:solidFill>
+              </a:rPr>
               <a:t>Control Signals</a:t>
             </a:r>
-            <a:endParaRPr lang="ko-KR" altLang="en-US" sz="1200" dirty="0"/>
+            <a:endParaRPr lang="ko-KR" altLang="en-US" sz="1200" dirty="0">
+              <a:solidFill>
+                <a:schemeClr val="bg1"/>
+              </a:solidFill>
+            </a:endParaRPr>
           </a:p>
         </p:txBody>
       </p:sp>
       <p:sp>
         <p:nvSpPr>
-          <p:cNvPr id="90" name="TextBox 89"/>
+          <p:cNvPr id="66" name="자유형 65"/>
+          <p:cNvSpPr/>
+          <p:nvPr/>
+        </p:nvSpPr>
+        <p:spPr>
+          <a:xfrm>
+            <a:off x="9188390" y="4432688"/>
+            <a:ext cx="1595355" cy="941198"/>
+          </a:xfrm>
+          <a:custGeom>
+            <a:avLst/>
+            <a:gdLst>
+              <a:gd name="connsiteX0" fmla="*/ 0 w 1903325"/>
+              <a:gd name="connsiteY0" fmla="*/ 114200 h 1141995"/>
+              <a:gd name="connsiteX1" fmla="*/ 114200 w 1903325"/>
+              <a:gd name="connsiteY1" fmla="*/ 0 h 1141995"/>
+              <a:gd name="connsiteX2" fmla="*/ 1789126 w 1903325"/>
+              <a:gd name="connsiteY2" fmla="*/ 0 h 1141995"/>
+              <a:gd name="connsiteX3" fmla="*/ 1903326 w 1903325"/>
+              <a:gd name="connsiteY3" fmla="*/ 114200 h 1141995"/>
+              <a:gd name="connsiteX4" fmla="*/ 1903325 w 1903325"/>
+              <a:gd name="connsiteY4" fmla="*/ 1027796 h 1141995"/>
+              <a:gd name="connsiteX5" fmla="*/ 1789125 w 1903325"/>
+              <a:gd name="connsiteY5" fmla="*/ 1141996 h 1141995"/>
+              <a:gd name="connsiteX6" fmla="*/ 114200 w 1903325"/>
+              <a:gd name="connsiteY6" fmla="*/ 1141995 h 1141995"/>
+              <a:gd name="connsiteX7" fmla="*/ 0 w 1903325"/>
+              <a:gd name="connsiteY7" fmla="*/ 1027795 h 1141995"/>
+              <a:gd name="connsiteX8" fmla="*/ 0 w 1903325"/>
+              <a:gd name="connsiteY8" fmla="*/ 114200 h 1141995"/>
+            </a:gdLst>
+            <a:ahLst/>
+            <a:cxnLst>
+              <a:cxn ang="0">
+                <a:pos x="connsiteX0" y="connsiteY0"/>
+              </a:cxn>
+              <a:cxn ang="0">
+                <a:pos x="connsiteX1" y="connsiteY1"/>
+              </a:cxn>
+              <a:cxn ang="0">
+                <a:pos x="connsiteX2" y="connsiteY2"/>
+              </a:cxn>
+              <a:cxn ang="0">
+                <a:pos x="connsiteX3" y="connsiteY3"/>
+              </a:cxn>
+              <a:cxn ang="0">
+                <a:pos x="connsiteX4" y="connsiteY4"/>
+              </a:cxn>
+              <a:cxn ang="0">
+                <a:pos x="connsiteX5" y="connsiteY5"/>
+              </a:cxn>
+              <a:cxn ang="0">
+                <a:pos x="connsiteX6" y="connsiteY6"/>
+              </a:cxn>
+              <a:cxn ang="0">
+                <a:pos x="connsiteX7" y="connsiteY7"/>
+              </a:cxn>
+              <a:cxn ang="0">
+                <a:pos x="connsiteX8" y="connsiteY8"/>
+              </a:cxn>
+            </a:cxnLst>
+            <a:rect l="l" t="t" r="r" b="b"/>
+            <a:pathLst>
+              <a:path w="1903325" h="1141995">
+                <a:moveTo>
+                  <a:pt x="0" y="114200"/>
+                </a:moveTo>
+                <a:cubicBezTo>
+                  <a:pt x="0" y="51129"/>
+                  <a:pt x="51129" y="0"/>
+                  <a:pt x="114200" y="0"/>
+                </a:cubicBezTo>
+                <a:lnTo>
+                  <a:pt x="1789126" y="0"/>
+                </a:lnTo>
+                <a:cubicBezTo>
+                  <a:pt x="1852197" y="0"/>
+                  <a:pt x="1903326" y="51129"/>
+                  <a:pt x="1903326" y="114200"/>
+                </a:cubicBezTo>
+                <a:cubicBezTo>
+                  <a:pt x="1903326" y="418732"/>
+                  <a:pt x="1903325" y="723264"/>
+                  <a:pt x="1903325" y="1027796"/>
+                </a:cubicBezTo>
+                <a:cubicBezTo>
+                  <a:pt x="1903325" y="1090867"/>
+                  <a:pt x="1852196" y="1141996"/>
+                  <a:pt x="1789125" y="1141996"/>
+                </a:cubicBezTo>
+                <a:lnTo>
+                  <a:pt x="114200" y="1141995"/>
+                </a:lnTo>
+                <a:cubicBezTo>
+                  <a:pt x="51129" y="1141995"/>
+                  <a:pt x="0" y="1090866"/>
+                  <a:pt x="0" y="1027795"/>
+                </a:cubicBezTo>
+                <a:lnTo>
+                  <a:pt x="0" y="114200"/>
+                </a:lnTo>
+                <a:close/>
+              </a:path>
+            </a:pathLst>
+          </a:custGeom>
+          <a:solidFill>
+            <a:schemeClr val="bg2">
+              <a:lumMod val="60000"/>
+              <a:lumOff val="40000"/>
+            </a:schemeClr>
+          </a:solidFill>
+        </p:spPr>
+        <p:style>
+          <a:lnRef idx="2">
+            <a:schemeClr val="lt1">
+              <a:hueOff val="0"/>
+              <a:satOff val="0"/>
+              <a:lumOff val="0"/>
+              <a:alphaOff val="0"/>
+            </a:schemeClr>
+          </a:lnRef>
+          <a:fillRef idx="1">
+            <a:schemeClr val="accent1">
+              <a:hueOff val="0"/>
+              <a:satOff val="0"/>
+              <a:lumOff val="0"/>
+              <a:alphaOff val="0"/>
+            </a:schemeClr>
+          </a:fillRef>
+          <a:effectRef idx="0">
+            <a:schemeClr val="accent1">
+              <a:hueOff val="0"/>
+              <a:satOff val="0"/>
+              <a:lumOff val="0"/>
+              <a:alphaOff val="0"/>
+            </a:schemeClr>
+          </a:effectRef>
+          <a:fontRef idx="minor">
+            <a:schemeClr val="lt1"/>
+          </a:fontRef>
+        </p:style>
+        <p:txBody>
+          <a:bodyPr spcFirstLastPara="0" vert="horz" wrap="square" lIns="124888" tIns="124888" rIns="124888" bIns="124888" numCol="1" spcCol="1270" anchor="ctr" anchorCtr="0">
+            <a:noAutofit/>
+          </a:bodyPr>
+          <a:lstStyle/>
+          <a:p>
+            <a:pPr lvl="0" algn="ctr" defTabSz="1066800" latinLnBrk="1">
+              <a:lnSpc>
+                <a:spcPct val="90000"/>
+              </a:lnSpc>
+              <a:spcBef>
+                <a:spcPct val="0"/>
+              </a:spcBef>
+              <a:spcAft>
+                <a:spcPct val="35000"/>
+              </a:spcAft>
+            </a:pPr>
+            <a:r>
+              <a:rPr lang="en-US" altLang="ko-KR" dirty="0" err="1" smtClean="0"/>
+              <a:t>WiFi</a:t>
+            </a:r>
+            <a:r>
+              <a:rPr lang="en-US" altLang="ko-KR" dirty="0" smtClean="0"/>
+              <a:t> / BLE</a:t>
+            </a:r>
+            <a:endParaRPr lang="ko-KR" altLang="en-US" kern="1200" dirty="0"/>
+          </a:p>
+        </p:txBody>
+      </p:sp>
+      <p:cxnSp>
+        <p:nvCxnSpPr>
+          <p:cNvPr id="51" name="직선 화살표 연결선 50"/>
+          <p:cNvCxnSpPr/>
+          <p:nvPr/>
+        </p:nvCxnSpPr>
+        <p:spPr>
+          <a:xfrm>
+            <a:off x="8725362" y="4897483"/>
+            <a:ext cx="463028" cy="0"/>
+          </a:xfrm>
+          <a:prstGeom prst="straightConnector1">
+            <a:avLst/>
+          </a:prstGeom>
+          <a:ln>
+            <a:solidFill>
+              <a:schemeClr val="tx2">
+                <a:lumMod val="75000"/>
+              </a:schemeClr>
+            </a:solidFill>
+            <a:tailEnd type="triangle"/>
+          </a:ln>
+        </p:spPr>
+        <p:style>
+          <a:lnRef idx="3">
+            <a:schemeClr val="accent5"/>
+          </a:lnRef>
+          <a:fillRef idx="0">
+            <a:schemeClr val="accent5"/>
+          </a:fillRef>
+          <a:effectRef idx="2">
+            <a:schemeClr val="accent5"/>
+          </a:effectRef>
+          <a:fontRef idx="minor">
+            <a:schemeClr val="tx1"/>
+          </a:fontRef>
+        </p:style>
+      </p:cxnSp>
+      <p:sp>
+        <p:nvSpPr>
+          <p:cNvPr id="52" name="TextBox 51"/>
           <p:cNvSpPr txBox="1"/>
           <p:nvPr/>
         </p:nvSpPr>
         <p:spPr>
           <a:xfrm>
-            <a:off x="5089508" y="2163577"/>
-            <a:ext cx="1067921" cy="369332"/>
+            <a:off x="5952268" y="2626480"/>
+            <a:ext cx="437940" cy="276999"/>
           </a:xfrm>
           <a:prstGeom prst="rect">
             <a:avLst/>
@@ -17121,23 +17388,31 @@
           <a:lstStyle/>
           <a:p>
             <a:r>
-              <a:rPr lang="en-US" altLang="ko-KR" dirty="0"/>
-              <a:t>RTDIN+</a:t>
-            </a:r>
-            <a:endParaRPr lang="ko-KR" altLang="en-US" dirty="0"/>
+              <a:rPr lang="en-US" altLang="ko-KR" sz="1200" dirty="0" smtClean="0">
+                <a:solidFill>
+                  <a:schemeClr val="bg2"/>
+                </a:solidFill>
+              </a:rPr>
+              <a:t>OFF</a:t>
+            </a:r>
+            <a:endParaRPr lang="ko-KR" altLang="en-US" sz="1200" dirty="0">
+              <a:solidFill>
+                <a:schemeClr val="bg2"/>
+              </a:solidFill>
+            </a:endParaRPr>
           </a:p>
         </p:txBody>
       </p:sp>
       <p:sp>
         <p:nvSpPr>
-          <p:cNvPr id="91" name="TextBox 90"/>
+          <p:cNvPr id="71" name="TextBox 70"/>
           <p:cNvSpPr txBox="1"/>
           <p:nvPr/>
         </p:nvSpPr>
         <p:spPr>
           <a:xfrm>
-            <a:off x="5089509" y="3517461"/>
-            <a:ext cx="1018227" cy="369332"/>
+            <a:off x="5967182" y="3651155"/>
+            <a:ext cx="437940" cy="276999"/>
           </a:xfrm>
           <a:prstGeom prst="rect">
             <a:avLst/>
@@ -17151,23 +17426,31 @@
           <a:lstStyle/>
           <a:p>
             <a:r>
-              <a:rPr lang="en-US" altLang="ko-KR" dirty="0" smtClean="0"/>
-              <a:t>RTDIN-</a:t>
-            </a:r>
-            <a:endParaRPr lang="ko-KR" altLang="en-US" dirty="0"/>
+              <a:rPr lang="en-US" altLang="ko-KR" sz="1200" dirty="0" smtClean="0">
+                <a:solidFill>
+                  <a:schemeClr val="bg2"/>
+                </a:solidFill>
+              </a:rPr>
+              <a:t>OFF</a:t>
+            </a:r>
+            <a:endParaRPr lang="ko-KR" altLang="en-US" sz="1200" dirty="0">
+              <a:solidFill>
+                <a:schemeClr val="bg2"/>
+              </a:solidFill>
+            </a:endParaRPr>
           </a:p>
         </p:txBody>
       </p:sp>
       <p:sp>
         <p:nvSpPr>
-          <p:cNvPr id="92" name="TextBox 91"/>
+          <p:cNvPr id="72" name="TextBox 71"/>
           <p:cNvSpPr txBox="1"/>
           <p:nvPr/>
         </p:nvSpPr>
         <p:spPr>
           <a:xfrm>
-            <a:off x="5007144" y="4891624"/>
-            <a:ext cx="1226618" cy="369332"/>
+            <a:off x="5975571" y="4631606"/>
+            <a:ext cx="437940" cy="276999"/>
           </a:xfrm>
           <a:prstGeom prst="rect">
             <a:avLst/>
@@ -17181,17 +17464,309 @@
           <a:lstStyle/>
           <a:p>
             <a:r>
-              <a:rPr lang="en-US" altLang="ko-KR" dirty="0"/>
-              <a:t>RTDREF+</a:t>
-            </a:r>
-            <a:endParaRPr lang="ko-KR" altLang="en-US" dirty="0"/>
+              <a:rPr lang="en-US" altLang="ko-KR" sz="1200" dirty="0" smtClean="0">
+                <a:solidFill>
+                  <a:schemeClr val="bg2"/>
+                </a:solidFill>
+              </a:rPr>
+              <a:t>OFF</a:t>
+            </a:r>
+            <a:endParaRPr lang="ko-KR" altLang="en-US" sz="1200" dirty="0">
+              <a:solidFill>
+                <a:schemeClr val="bg2"/>
+              </a:solidFill>
+            </a:endParaRPr>
+          </a:p>
+        </p:txBody>
+      </p:sp>
+      <p:sp>
+        <p:nvSpPr>
+          <p:cNvPr id="73" name="TextBox 72"/>
+          <p:cNvSpPr txBox="1"/>
+          <p:nvPr/>
+        </p:nvSpPr>
+        <p:spPr>
+          <a:xfrm>
+            <a:off x="5968298" y="2939897"/>
+            <a:ext cx="405880" cy="276999"/>
+          </a:xfrm>
+          <a:prstGeom prst="rect">
+            <a:avLst/>
+          </a:prstGeom>
+          <a:noFill/>
+        </p:spPr>
+        <p:txBody>
+          <a:bodyPr wrap="none" rtlCol="0">
+            <a:spAutoFit/>
+          </a:bodyPr>
+          <a:lstStyle/>
+          <a:p>
+            <a:r>
+              <a:rPr lang="en-US" altLang="ko-KR" sz="1200" dirty="0" smtClean="0">
+                <a:solidFill>
+                  <a:srgbClr val="FF0000"/>
+                </a:solidFill>
+              </a:rPr>
+              <a:t>ON</a:t>
+            </a:r>
+            <a:endParaRPr lang="ko-KR" altLang="en-US" sz="1200" dirty="0">
+              <a:solidFill>
+                <a:srgbClr val="FF0000"/>
+              </a:solidFill>
+            </a:endParaRPr>
+          </a:p>
+        </p:txBody>
+      </p:sp>
+      <p:sp>
+        <p:nvSpPr>
+          <p:cNvPr id="74" name="TextBox 73"/>
+          <p:cNvSpPr txBox="1"/>
+          <p:nvPr/>
+        </p:nvSpPr>
+        <p:spPr>
+          <a:xfrm>
+            <a:off x="5980005" y="3981651"/>
+            <a:ext cx="405880" cy="276999"/>
+          </a:xfrm>
+          <a:prstGeom prst="rect">
+            <a:avLst/>
+          </a:prstGeom>
+          <a:noFill/>
+        </p:spPr>
+        <p:txBody>
+          <a:bodyPr wrap="none" rtlCol="0">
+            <a:spAutoFit/>
+          </a:bodyPr>
+          <a:lstStyle/>
+          <a:p>
+            <a:r>
+              <a:rPr lang="en-US" altLang="ko-KR" sz="1200" dirty="0" smtClean="0">
+                <a:solidFill>
+                  <a:srgbClr val="FF0000"/>
+                </a:solidFill>
+              </a:rPr>
+              <a:t>ON</a:t>
+            </a:r>
+            <a:endParaRPr lang="ko-KR" altLang="en-US" sz="1200" dirty="0">
+              <a:solidFill>
+                <a:srgbClr val="FF0000"/>
+              </a:solidFill>
+            </a:endParaRPr>
+          </a:p>
+        </p:txBody>
+      </p:sp>
+      <p:sp>
+        <p:nvSpPr>
+          <p:cNvPr id="76" name="TextBox 75"/>
+          <p:cNvSpPr txBox="1"/>
+          <p:nvPr/>
+        </p:nvSpPr>
+        <p:spPr>
+          <a:xfrm>
+            <a:off x="5990016" y="4980204"/>
+            <a:ext cx="405880" cy="276999"/>
+          </a:xfrm>
+          <a:prstGeom prst="rect">
+            <a:avLst/>
+          </a:prstGeom>
+          <a:noFill/>
+        </p:spPr>
+        <p:txBody>
+          <a:bodyPr wrap="none" rtlCol="0">
+            <a:spAutoFit/>
+          </a:bodyPr>
+          <a:lstStyle/>
+          <a:p>
+            <a:r>
+              <a:rPr lang="en-US" altLang="ko-KR" sz="1200" dirty="0" smtClean="0">
+                <a:solidFill>
+                  <a:srgbClr val="FF0000"/>
+                </a:solidFill>
+              </a:rPr>
+              <a:t>ON</a:t>
+            </a:r>
+            <a:endParaRPr lang="ko-KR" altLang="en-US" sz="1200" dirty="0">
+              <a:solidFill>
+                <a:srgbClr val="FF0000"/>
+              </a:solidFill>
+            </a:endParaRPr>
+          </a:p>
+        </p:txBody>
+      </p:sp>
+      <p:sp>
+        <p:nvSpPr>
+          <p:cNvPr id="54" name="TextBox 53"/>
+          <p:cNvSpPr txBox="1"/>
+          <p:nvPr/>
+        </p:nvSpPr>
+        <p:spPr>
+          <a:xfrm>
+            <a:off x="9405560" y="2050167"/>
+            <a:ext cx="1141403" cy="369332"/>
+          </a:xfrm>
+          <a:prstGeom prst="rect">
+            <a:avLst/>
+          </a:prstGeom>
+          <a:noFill/>
+        </p:spPr>
+        <p:txBody>
+          <a:bodyPr wrap="none" rtlCol="0">
+            <a:spAutoFit/>
+          </a:bodyPr>
+          <a:lstStyle/>
+          <a:p>
+            <a:r>
+              <a:rPr lang="en-US" altLang="ko-KR" dirty="0" smtClean="0">
+                <a:solidFill>
+                  <a:schemeClr val="bg2"/>
+                </a:solidFill>
+              </a:rPr>
+              <a:t>Relay</a:t>
+            </a:r>
+            <a:r>
+              <a:rPr lang="ko-KR" altLang="en-US" dirty="0">
+                <a:solidFill>
+                  <a:schemeClr val="bg2"/>
+                </a:solidFill>
+              </a:rPr>
+              <a:t> </a:t>
+            </a:r>
+            <a:r>
+              <a:rPr lang="en-US" altLang="ko-KR" dirty="0" smtClean="0">
+                <a:solidFill>
+                  <a:schemeClr val="bg2"/>
+                </a:solidFill>
+              </a:rPr>
+              <a:t>OFF</a:t>
+            </a:r>
+            <a:endParaRPr lang="ko-KR" altLang="en-US" dirty="0">
+              <a:solidFill>
+                <a:schemeClr val="bg2"/>
+              </a:solidFill>
+            </a:endParaRPr>
+          </a:p>
+        </p:txBody>
+      </p:sp>
+      <p:sp>
+        <p:nvSpPr>
+          <p:cNvPr id="78" name="TextBox 77"/>
+          <p:cNvSpPr txBox="1"/>
+          <p:nvPr/>
+        </p:nvSpPr>
+        <p:spPr>
+          <a:xfrm>
+            <a:off x="7281884" y="4081195"/>
+            <a:ext cx="1760162" cy="369332"/>
+          </a:xfrm>
+          <a:prstGeom prst="rect">
+            <a:avLst/>
+          </a:prstGeom>
+          <a:noFill/>
+        </p:spPr>
+        <p:txBody>
+          <a:bodyPr wrap="none" rtlCol="0">
+            <a:spAutoFit/>
+          </a:bodyPr>
+          <a:lstStyle/>
+          <a:p>
+            <a:r>
+              <a:rPr lang="en-US" altLang="ko-KR" dirty="0" smtClean="0">
+                <a:solidFill>
+                  <a:srgbClr val="FF0000"/>
+                </a:solidFill>
+              </a:rPr>
+              <a:t>Relay</a:t>
+            </a:r>
+            <a:r>
+              <a:rPr lang="ko-KR" altLang="en-US" dirty="0">
+                <a:solidFill>
+                  <a:srgbClr val="FF0000"/>
+                </a:solidFill>
+              </a:rPr>
+              <a:t> </a:t>
+            </a:r>
+            <a:r>
+              <a:rPr lang="en-US" altLang="ko-KR" dirty="0" smtClean="0">
+                <a:solidFill>
+                  <a:srgbClr val="FF0000"/>
+                </a:solidFill>
+              </a:rPr>
+              <a:t>ON </a:t>
+            </a:r>
+            <a:r>
+              <a:rPr lang="en-US" altLang="ko-KR" sz="1400" dirty="0" smtClean="0">
+                <a:solidFill>
+                  <a:srgbClr val="FF0000"/>
+                </a:solidFill>
+              </a:rPr>
+              <a:t>(0.2 sec)</a:t>
+            </a:r>
+            <a:endParaRPr lang="ko-KR" altLang="en-US" sz="1400" dirty="0">
+              <a:solidFill>
+                <a:srgbClr val="FF0000"/>
+              </a:solidFill>
+            </a:endParaRPr>
+          </a:p>
+        </p:txBody>
+      </p:sp>
+      <p:sp>
+        <p:nvSpPr>
+          <p:cNvPr id="79" name="TextBox 78"/>
+          <p:cNvSpPr txBox="1"/>
+          <p:nvPr/>
+        </p:nvSpPr>
+        <p:spPr>
+          <a:xfrm>
+            <a:off x="6941645" y="2176159"/>
+            <a:ext cx="1878784" cy="369332"/>
+          </a:xfrm>
+          <a:prstGeom prst="rect">
+            <a:avLst/>
+          </a:prstGeom>
+          <a:noFill/>
+        </p:spPr>
+        <p:txBody>
+          <a:bodyPr wrap="none" rtlCol="0">
+            <a:spAutoFit/>
+          </a:bodyPr>
+          <a:lstStyle/>
+          <a:p>
+            <a:r>
+              <a:rPr lang="en-US" altLang="ko-KR" dirty="0" smtClean="0">
+                <a:solidFill>
+                  <a:schemeClr val="bg2"/>
+                </a:solidFill>
+              </a:rPr>
+              <a:t>Default Relay</a:t>
+            </a:r>
+            <a:r>
+              <a:rPr lang="ko-KR" altLang="en-US" dirty="0" smtClean="0">
+                <a:solidFill>
+                  <a:schemeClr val="bg2"/>
+                </a:solidFill>
+              </a:rPr>
+              <a:t> </a:t>
+            </a:r>
+            <a:r>
+              <a:rPr lang="en-US" altLang="ko-KR" dirty="0" smtClean="0">
+                <a:solidFill>
+                  <a:schemeClr val="bg2"/>
+                </a:solidFill>
+              </a:rPr>
+              <a:t>OFF</a:t>
+            </a:r>
+            <a:endParaRPr lang="ko-KR" altLang="en-US" dirty="0">
+              <a:solidFill>
+                <a:schemeClr val="bg2"/>
+              </a:solidFill>
+            </a:endParaRPr>
           </a:p>
         </p:txBody>
       </p:sp>
     </p:spTree>
     <p:extLst>
       <p:ext uri="{BB962C8B-B14F-4D97-AF65-F5344CB8AC3E}">
-        <p14:creationId xmlns:p14="http://schemas.microsoft.com/office/powerpoint/2010/main" val="1655994023"/>
+        <p14:creationId xmlns:p14="http://schemas.microsoft.com/office/powerpoint/2010/main" val="3158564457"/>
       </p:ext>
     </p:extLst>
   </p:cSld>
@@ -17450,4 +18025,265 @@
     </a:ext>
   </a:extLst>
 </a:theme>
+</file>
+
+<file path=ppt/theme/theme2.xml><?xml version="1.0" encoding="utf-8"?>
+<a:theme xmlns:a="http://schemas.openxmlformats.org/drawingml/2006/main" name="Office 테마">
+  <a:themeElements>
+    <a:clrScheme name="Office">
+      <a:dk1>
+        <a:sysClr val="windowText" lastClr="000000"/>
+      </a:dk1>
+      <a:lt1>
+        <a:sysClr val="window" lastClr="FFFFFF"/>
+      </a:lt1>
+      <a:dk2>
+        <a:srgbClr val="44546A"/>
+      </a:dk2>
+      <a:lt2>
+        <a:srgbClr val="E7E6E6"/>
+      </a:lt2>
+      <a:accent1>
+        <a:srgbClr val="5B9BD5"/>
+      </a:accent1>
+      <a:accent2>
+        <a:srgbClr val="ED7D31"/>
+      </a:accent2>
+      <a:accent3>
+        <a:srgbClr val="A5A5A5"/>
+      </a:accent3>
+      <a:accent4>
+        <a:srgbClr val="FFC000"/>
+      </a:accent4>
+      <a:accent5>
+        <a:srgbClr val="4472C4"/>
+      </a:accent5>
+      <a:accent6>
+        <a:srgbClr val="70AD47"/>
+      </a:accent6>
+      <a:hlink>
+        <a:srgbClr val="0563C1"/>
+      </a:hlink>
+      <a:folHlink>
+        <a:srgbClr val="954F72"/>
+      </a:folHlink>
+    </a:clrScheme>
+    <a:fontScheme name="Office">
+      <a:majorFont>
+        <a:latin typeface="맑은 고딕" panose="020F0302020204030204"/>
+        <a:ea typeface=""/>
+        <a:cs typeface=""/>
+        <a:font script="Jpan" typeface="游ゴシック Light"/>
+        <a:font script="Hang" typeface="맑은 고딕"/>
+        <a:font script="Hans" typeface="等线 Light"/>
+        <a:font script="Hant" typeface="新細明體"/>
+        <a:font script="Arab" typeface="Times New Roman"/>
+        <a:font script="Hebr" typeface="Times New Roman"/>
+        <a:font script="Thai" typeface="Angsana New"/>
+        <a:font script="Ethi" typeface="Nyala"/>
+        <a:font script="Beng" typeface="Vrinda"/>
+        <a:font script="Gujr" typeface="Shruti"/>
+        <a:font script="Khmr" typeface="MoolBoran"/>
+        <a:font script="Knda" typeface="Tunga"/>
+        <a:font script="Guru" typeface="Raavi"/>
+        <a:font script="Cans" typeface="Euphemia"/>
+        <a:font script="Cher" typeface="Plantagenet Cherokee"/>
+        <a:font script="Yiii" typeface="Microsoft Yi Baiti"/>
+        <a:font script="Tibt" typeface="Microsoft Himalaya"/>
+        <a:font script="Thaa" typeface="MV Boli"/>
+        <a:font script="Deva" typeface="Mangal"/>
+        <a:font script="Telu" typeface="Gautami"/>
+        <a:font script="Taml" typeface="Latha"/>
+        <a:font script="Syrc" typeface="Estrangelo Edessa"/>
+        <a:font script="Orya" typeface="Kalinga"/>
+        <a:font script="Mlym" typeface="Kartika"/>
+        <a:font script="Laoo" typeface="DokChampa"/>
+        <a:font script="Sinh" typeface="Iskoola Pota"/>
+        <a:font script="Mong" typeface="Mongolian Baiti"/>
+        <a:font script="Viet" typeface="Times New Roman"/>
+        <a:font script="Uigh" typeface="Microsoft Uighur"/>
+        <a:font script="Geor" typeface="Sylfaen"/>
+      </a:majorFont>
+      <a:minorFont>
+        <a:latin typeface="맑은 고딕" panose="020F0502020204030204"/>
+        <a:ea typeface=""/>
+        <a:cs typeface=""/>
+        <a:font script="Jpan" typeface="游ゴシック"/>
+        <a:font script="Hang" typeface="맑은 고딕"/>
+        <a:font script="Hans" typeface="等线"/>
+        <a:font script="Hant" typeface="新細明體"/>
+        <a:font script="Arab" typeface="Arial"/>
+        <a:font script="Hebr" typeface="Arial"/>
+        <a:font script="Thai" typeface="Cordia New"/>
+        <a:font script="Ethi" typeface="Nyala"/>
+        <a:font script="Beng" typeface="Vrinda"/>
+        <a:font script="Gujr" typeface="Shruti"/>
+        <a:font script="Khmr" typeface="DaunPenh"/>
+        <a:font script="Knda" typeface="Tunga"/>
+        <a:font script="Guru" typeface="Raavi"/>
+        <a:font script="Cans" typeface="Euphemia"/>
+        <a:font script="Cher" typeface="Plantagenet Cherokee"/>
+        <a:font script="Yiii" typeface="Microsoft Yi Baiti"/>
+        <a:font script="Tibt" typeface="Microsoft Himalaya"/>
+        <a:font script="Thaa" typeface="MV Boli"/>
+        <a:font script="Deva" typeface="Mangal"/>
+        <a:font script="Telu" typeface="Gautami"/>
+        <a:font script="Taml" typeface="Latha"/>
+        <a:font script="Syrc" typeface="Estrangelo Edessa"/>
+        <a:font script="Orya" typeface="Kalinga"/>
+        <a:font script="Mlym" typeface="Kartika"/>
+        <a:font script="Laoo" typeface="DokChampa"/>
+        <a:font script="Sinh" typeface="Iskoola Pota"/>
+        <a:font script="Mong" typeface="Mongolian Baiti"/>
+        <a:font script="Viet" typeface="Arial"/>
+        <a:font script="Uigh" typeface="Microsoft Uighur"/>
+        <a:font script="Geor" typeface="Sylfaen"/>
+      </a:minorFont>
+    </a:fontScheme>
+    <a:fmtScheme name="Office">
+      <a:fillStyleLst>
+        <a:solidFill>
+          <a:schemeClr val="phClr"/>
+        </a:solidFill>
+        <a:gradFill rotWithShape="1">
+          <a:gsLst>
+            <a:gs pos="0">
+              <a:schemeClr val="phClr">
+                <a:lumMod val="110000"/>
+                <a:satMod val="105000"/>
+                <a:tint val="67000"/>
+              </a:schemeClr>
+            </a:gs>
+            <a:gs pos="50000">
+              <a:schemeClr val="phClr">
+                <a:lumMod val="105000"/>
+                <a:satMod val="103000"/>
+                <a:tint val="73000"/>
+              </a:schemeClr>
+            </a:gs>
+            <a:gs pos="100000">
+              <a:schemeClr val="phClr">
+                <a:lumMod val="105000"/>
+                <a:satMod val="109000"/>
+                <a:tint val="81000"/>
+              </a:schemeClr>
+            </a:gs>
+          </a:gsLst>
+          <a:lin ang="5400000" scaled="0"/>
+        </a:gradFill>
+        <a:gradFill rotWithShape="1">
+          <a:gsLst>
+            <a:gs pos="0">
+              <a:schemeClr val="phClr">
+                <a:satMod val="103000"/>
+                <a:lumMod val="102000"/>
+                <a:tint val="94000"/>
+              </a:schemeClr>
+            </a:gs>
+            <a:gs pos="50000">
+              <a:schemeClr val="phClr">
+                <a:satMod val="110000"/>
+                <a:lumMod val="100000"/>
+                <a:shade val="100000"/>
+              </a:schemeClr>
+            </a:gs>
+            <a:gs pos="100000">
+              <a:schemeClr val="phClr">
+                <a:lumMod val="99000"/>
+                <a:satMod val="120000"/>
+                <a:shade val="78000"/>
+              </a:schemeClr>
+            </a:gs>
+          </a:gsLst>
+          <a:lin ang="5400000" scaled="0"/>
+        </a:gradFill>
+      </a:fillStyleLst>
+      <a:lnStyleLst>
+        <a:ln w="6350" cap="flat" cmpd="sng" algn="ctr">
+          <a:solidFill>
+            <a:schemeClr val="phClr"/>
+          </a:solidFill>
+          <a:prstDash val="solid"/>
+          <a:miter lim="800000"/>
+        </a:ln>
+        <a:ln w="12700" cap="flat" cmpd="sng" algn="ctr">
+          <a:solidFill>
+            <a:schemeClr val="phClr"/>
+          </a:solidFill>
+          <a:prstDash val="solid"/>
+          <a:miter lim="800000"/>
+        </a:ln>
+        <a:ln w="19050" cap="flat" cmpd="sng" algn="ctr">
+          <a:solidFill>
+            <a:schemeClr val="phClr"/>
+          </a:solidFill>
+          <a:prstDash val="solid"/>
+          <a:miter lim="800000"/>
+        </a:ln>
+      </a:lnStyleLst>
+      <a:effectStyleLst>
+        <a:effectStyle>
+          <a:effectLst/>
+        </a:effectStyle>
+        <a:effectStyle>
+          <a:effectLst/>
+        </a:effectStyle>
+        <a:effectStyle>
+          <a:effectLst>
+            <a:outerShdw blurRad="57150" dist="19050" dir="5400000" algn="ctr" rotWithShape="0">
+              <a:srgbClr val="000000">
+                <a:alpha val="63000"/>
+              </a:srgbClr>
+            </a:outerShdw>
+          </a:effectLst>
+        </a:effectStyle>
+      </a:effectStyleLst>
+      <a:bgFillStyleLst>
+        <a:solidFill>
+          <a:schemeClr val="phClr"/>
+        </a:solidFill>
+        <a:solidFill>
+          <a:schemeClr val="phClr">
+            <a:tint val="95000"/>
+            <a:satMod val="170000"/>
+          </a:schemeClr>
+        </a:solidFill>
+        <a:gradFill rotWithShape="1">
+          <a:gsLst>
+            <a:gs pos="0">
+              <a:schemeClr val="phClr">
+                <a:tint val="93000"/>
+                <a:satMod val="150000"/>
+                <a:shade val="98000"/>
+                <a:lumMod val="102000"/>
+              </a:schemeClr>
+            </a:gs>
+            <a:gs pos="50000">
+              <a:schemeClr val="phClr">
+                <a:tint val="98000"/>
+                <a:satMod val="130000"/>
+                <a:shade val="90000"/>
+                <a:lumMod val="103000"/>
+              </a:schemeClr>
+            </a:gs>
+            <a:gs pos="100000">
+              <a:schemeClr val="phClr">
+                <a:shade val="63000"/>
+                <a:satMod val="120000"/>
+              </a:schemeClr>
+            </a:gs>
+          </a:gsLst>
+          <a:lin ang="5400000" scaled="0"/>
+        </a:gradFill>
+      </a:bgFillStyleLst>
+    </a:fmtScheme>
+  </a:themeElements>
+  <a:objectDefaults/>
+  <a:extraClrSchemeLst/>
+  <a:extLst>
+    <a:ext uri="{05A4C25C-085E-4340-85A3-A5531E510DB2}">
+      <thm15:themeFamily xmlns:thm15="http://schemas.microsoft.com/office/thememl/2012/main" name="Office Theme" id="{62F939B6-93AF-4DB8-9C6B-D6C7DFDC589F}" vid="{4A3C46E8-61CC-4603-A589-7422A47A8E4A}"/>
+    </a:ext>
+  </a:extLst>
+</a:theme>
 </file>